--- a/powerpoint/automate_doctor_checking-draft.pptx
+++ b/powerpoint/automate_doctor_checking-draft.pptx
@@ -5,10 +5,10 @@
     <p:sldMasterId id="2147483648" r:id="rId1"/>
   </p:sldMasterIdLst>
   <p:notesMasterIdLst>
-    <p:notesMasterId r:id="rId14"/>
+    <p:notesMasterId r:id="rId9"/>
   </p:notesMasterIdLst>
   <p:handoutMasterIdLst>
-    <p:handoutMasterId r:id="rId15"/>
+    <p:handoutMasterId r:id="rId10"/>
   </p:handoutMasterIdLst>
   <p:sldIdLst>
     <p:sldId id="256" r:id="rId2"/>
@@ -17,12 +17,7 @@
     <p:sldId id="259" r:id="rId5"/>
     <p:sldId id="260" r:id="rId6"/>
     <p:sldId id="261" r:id="rId7"/>
-    <p:sldId id="262" r:id="rId8"/>
-    <p:sldId id="263" r:id="rId9"/>
-    <p:sldId id="264" r:id="rId10"/>
-    <p:sldId id="265" r:id="rId11"/>
-    <p:sldId id="266" r:id="rId12"/>
-    <p:sldId id="267" r:id="rId13"/>
+    <p:sldId id="267" r:id="rId8"/>
   </p:sldIdLst>
   <p:sldSz cx="12192000" cy="6858000"/>
   <p:notesSz cx="6858000" cy="9144000"/>
@@ -225,7 +220,7 @@
           <a:p>
             <a:fld id="{C3218ECE-A34A-49B3-9686-CAB705FE9FAE}" type="datetimeFigureOut">
               <a:rPr lang="en-GB" smtClean="0"/>
-              <a:t>29/01/2026</a:t>
+              <a:t>02/02/2026</a:t>
             </a:fld>
             <a:endParaRPr lang="en-GB"/>
           </a:p>
@@ -391,7 +386,7 @@
           <a:p>
             <a:fld id="{BFECA36D-3A4E-49AB-8998-33E386CC9347}" type="datetimeFigureOut">
               <a:rPr lang="en-US" smtClean="0"/>
-              <a:t>1/29/2026</a:t>
+              <a:t>2/2/26</a:t>
             </a:fld>
             <a:endParaRPr lang="en-US"/>
           </a:p>
@@ -6066,7 +6061,7 @@
         <p:spPr>
           <a:xfrm>
             <a:off x="360000" y="2160000"/>
-            <a:ext cx="5736000" cy="2252974"/>
+            <a:ext cx="5609286" cy="2252974"/>
           </a:xfrm>
         </p:spPr>
         <p:txBody>
@@ -6084,404 +6079,6 @@
     <p:extLst>
       <p:ext uri="{BB962C8B-B14F-4D97-AF65-F5344CB8AC3E}">
         <p14:creationId xmlns:p14="http://schemas.microsoft.com/office/powerpoint/2010/main" val="537563318"/>
-      </p:ext>
-    </p:extLst>
-  </p:cSld>
-  <p:clrMapOvr>
-    <a:masterClrMapping/>
-  </p:clrMapOvr>
-</p:sld>
-</file>
-
-<file path=ppt/slides/slide10.xml><?xml version="1.0" encoding="utf-8"?>
-<p:sld xmlns:a="http://schemas.openxmlformats.org/drawingml/2006/main" xmlns:r="http://schemas.openxmlformats.org/officeDocument/2006/relationships" xmlns:p="http://schemas.openxmlformats.org/presentationml/2006/main">
-  <p:cSld>
-    <p:spTree>
-      <p:nvGrpSpPr>
-        <p:cNvPr id="1" name=""/>
-        <p:cNvGrpSpPr/>
-        <p:nvPr/>
-      </p:nvGrpSpPr>
-      <p:grpSpPr>
-        <a:xfrm>
-          <a:off x="0" y="0"/>
-          <a:ext cx="0" cy="0"/>
-          <a:chOff x="0" y="0"/>
-          <a:chExt cx="0" cy="0"/>
-        </a:xfrm>
-      </p:grpSpPr>
-      <p:sp>
-        <p:nvSpPr>
-          <p:cNvPr id="2" name="Text Placeholder 1">
-            <a:extLst>
-              <a:ext uri="{FF2B5EF4-FFF2-40B4-BE49-F238E27FC236}">
-                <a16:creationId xmlns:a16="http://schemas.microsoft.com/office/drawing/2014/main" id="{4050854B-67C7-365C-8069-A0215AF72EA4}"/>
-              </a:ext>
-            </a:extLst>
-          </p:cNvPr>
-          <p:cNvSpPr>
-            <a:spLocks noGrp="1"/>
-          </p:cNvSpPr>
-          <p:nvPr>
-            <p:ph type="body" sz="quarter" idx="12"/>
-          </p:nvPr>
-        </p:nvSpPr>
-        <p:spPr>
-          <a:xfrm>
-            <a:off x="359999" y="1800000"/>
-            <a:ext cx="6812077" cy="2916793"/>
-          </a:xfrm>
-        </p:spPr>
-        <p:txBody>
-          <a:bodyPr/>
-          <a:lstStyle/>
-          <a:p>
-            <a:r>
-              <a:rPr lang="en-GB" dirty="0"/>
-              <a:t>Automation is feasible and beneficial </a:t>
-            </a:r>
-          </a:p>
-          <a:p>
-            <a:r>
-              <a:rPr lang="en-GB" dirty="0"/>
-              <a:t>Current prototype proves concept but needs optimization </a:t>
-            </a:r>
-          </a:p>
-          <a:p>
-            <a:r>
-              <a:rPr lang="en-GB" dirty="0"/>
-              <a:t>Main issue: processing speed</a:t>
-            </a:r>
-          </a:p>
-        </p:txBody>
-      </p:sp>
-      <p:sp>
-        <p:nvSpPr>
-          <p:cNvPr id="3" name="Slide Number Placeholder 2">
-            <a:extLst>
-              <a:ext uri="{FF2B5EF4-FFF2-40B4-BE49-F238E27FC236}">
-                <a16:creationId xmlns:a16="http://schemas.microsoft.com/office/drawing/2014/main" id="{E9B3DF7C-8CB2-F923-282A-8C78CE1EFBCF}"/>
-              </a:ext>
-            </a:extLst>
-          </p:cNvPr>
-          <p:cNvSpPr>
-            <a:spLocks noGrp="1"/>
-          </p:cNvSpPr>
-          <p:nvPr>
-            <p:ph type="sldNum" sz="quarter" idx="4"/>
-          </p:nvPr>
-        </p:nvSpPr>
-        <p:spPr/>
-        <p:txBody>
-          <a:bodyPr/>
-          <a:lstStyle/>
-          <a:p>
-            <a:fld id="{18A41853-EF22-D446-BDBC-A7CF3FE93503}" type="slidenum">
-              <a:rPr lang="en-US" smtClean="0"/>
-              <a:pPr/>
-              <a:t>10</a:t>
-            </a:fld>
-            <a:endParaRPr lang="en-US" dirty="0"/>
-          </a:p>
-        </p:txBody>
-      </p:sp>
-      <p:sp>
-        <p:nvSpPr>
-          <p:cNvPr id="4" name="Text Placeholder 3">
-            <a:extLst>
-              <a:ext uri="{FF2B5EF4-FFF2-40B4-BE49-F238E27FC236}">
-                <a16:creationId xmlns:a16="http://schemas.microsoft.com/office/drawing/2014/main" id="{2D80EE7D-7939-1AD3-DEE3-39C0717979EF}"/>
-              </a:ext>
-            </a:extLst>
-          </p:cNvPr>
-          <p:cNvSpPr>
-            <a:spLocks noGrp="1"/>
-          </p:cNvSpPr>
-          <p:nvPr>
-            <p:ph type="body" sz="quarter" idx="16"/>
-          </p:nvPr>
-        </p:nvSpPr>
-        <p:spPr>
-          <a:xfrm>
-            <a:off x="7719871" y="420279"/>
-            <a:ext cx="3600000" cy="2916793"/>
-          </a:xfrm>
-        </p:spPr>
-        <p:txBody>
-          <a:bodyPr/>
-          <a:lstStyle/>
-          <a:p>
-            <a:endParaRPr lang="en-GB" dirty="0"/>
-          </a:p>
-        </p:txBody>
-      </p:sp>
-      <p:sp>
-        <p:nvSpPr>
-          <p:cNvPr id="5" name="Text Placeholder 4">
-            <a:extLst>
-              <a:ext uri="{FF2B5EF4-FFF2-40B4-BE49-F238E27FC236}">
-                <a16:creationId xmlns:a16="http://schemas.microsoft.com/office/drawing/2014/main" id="{C76CBC06-9AB0-FA8D-DE86-B927229CC6AE}"/>
-              </a:ext>
-            </a:extLst>
-          </p:cNvPr>
-          <p:cNvSpPr>
-            <a:spLocks noGrp="1"/>
-          </p:cNvSpPr>
-          <p:nvPr>
-            <p:ph type="body" sz="quarter" idx="10"/>
-          </p:nvPr>
-        </p:nvSpPr>
-        <p:spPr/>
-        <p:txBody>
-          <a:bodyPr/>
-          <a:lstStyle/>
-          <a:p>
-            <a:r>
-              <a:rPr lang="en-US" dirty="0"/>
-              <a:t>Key Takeaways</a:t>
-            </a:r>
-            <a:endParaRPr lang="en-GB" dirty="0"/>
-          </a:p>
-        </p:txBody>
-      </p:sp>
-    </p:spTree>
-    <p:extLst>
-      <p:ext uri="{BB962C8B-B14F-4D97-AF65-F5344CB8AC3E}">
-        <p14:creationId xmlns:p14="http://schemas.microsoft.com/office/powerpoint/2010/main" val="2695588751"/>
-      </p:ext>
-    </p:extLst>
-  </p:cSld>
-  <p:clrMapOvr>
-    <a:masterClrMapping/>
-  </p:clrMapOvr>
-</p:sld>
-</file>
-
-<file path=ppt/slides/slide11.xml><?xml version="1.0" encoding="utf-8"?>
-<p:sld xmlns:a="http://schemas.openxmlformats.org/drawingml/2006/main" xmlns:r="http://schemas.openxmlformats.org/officeDocument/2006/relationships" xmlns:p="http://schemas.openxmlformats.org/presentationml/2006/main">
-  <p:cSld>
-    <p:spTree>
-      <p:nvGrpSpPr>
-        <p:cNvPr id="1" name=""/>
-        <p:cNvGrpSpPr/>
-        <p:nvPr/>
-      </p:nvGrpSpPr>
-      <p:grpSpPr>
-        <a:xfrm>
-          <a:off x="0" y="0"/>
-          <a:ext cx="0" cy="0"/>
-          <a:chOff x="0" y="0"/>
-          <a:chExt cx="0" cy="0"/>
-        </a:xfrm>
-      </p:grpSpPr>
-      <p:sp>
-        <p:nvSpPr>
-          <p:cNvPr id="2" name="Text Placeholder 1">
-            <a:extLst>
-              <a:ext uri="{FF2B5EF4-FFF2-40B4-BE49-F238E27FC236}">
-                <a16:creationId xmlns:a16="http://schemas.microsoft.com/office/drawing/2014/main" id="{A01154FB-DE8A-2C78-D717-A8C256A59B62}"/>
-              </a:ext>
-            </a:extLst>
-          </p:cNvPr>
-          <p:cNvSpPr>
-            <a:spLocks noGrp="1"/>
-          </p:cNvSpPr>
-          <p:nvPr>
-            <p:ph type="body" sz="quarter" idx="12"/>
-          </p:nvPr>
-        </p:nvSpPr>
-        <p:spPr>
-          <a:xfrm>
-            <a:off x="360000" y="1800000"/>
-            <a:ext cx="7255158" cy="2916793"/>
-          </a:xfrm>
-        </p:spPr>
-        <p:txBody>
-          <a:bodyPr/>
-          <a:lstStyle/>
-          <a:p>
-            <a:r>
-              <a:rPr lang="en-GB" dirty="0"/>
-              <a:t>Gather more sample scanned documents </a:t>
-            </a:r>
-          </a:p>
-          <a:p>
-            <a:r>
-              <a:rPr lang="en-GB" dirty="0"/>
-              <a:t>Evaluate possibility of using a faster OCR engine </a:t>
-            </a:r>
-          </a:p>
-          <a:p>
-            <a:r>
-              <a:rPr lang="en-GB" dirty="0"/>
-              <a:t>Explore cloud-based OCR if compliance allows </a:t>
-            </a:r>
-          </a:p>
-          <a:p>
-            <a:r>
-              <a:rPr lang="en-GB" dirty="0"/>
-              <a:t>Improve matching logic (e.g., fuzzy matching) </a:t>
-            </a:r>
-          </a:p>
-          <a:p>
-            <a:r>
-              <a:rPr lang="en-GB" dirty="0"/>
-              <a:t>Conduct performance testing and document processing time</a:t>
-            </a:r>
-          </a:p>
-        </p:txBody>
-      </p:sp>
-      <p:sp>
-        <p:nvSpPr>
-          <p:cNvPr id="3" name="Slide Number Placeholder 2">
-            <a:extLst>
-              <a:ext uri="{FF2B5EF4-FFF2-40B4-BE49-F238E27FC236}">
-                <a16:creationId xmlns:a16="http://schemas.microsoft.com/office/drawing/2014/main" id="{8573B4F6-9FD8-0E7E-09BA-8DD7A6C872A6}"/>
-              </a:ext>
-            </a:extLst>
-          </p:cNvPr>
-          <p:cNvSpPr>
-            <a:spLocks noGrp="1"/>
-          </p:cNvSpPr>
-          <p:nvPr>
-            <p:ph type="sldNum" sz="quarter" idx="4"/>
-          </p:nvPr>
-        </p:nvSpPr>
-        <p:spPr/>
-        <p:txBody>
-          <a:bodyPr/>
-          <a:lstStyle/>
-          <a:p>
-            <a:fld id="{18A41853-EF22-D446-BDBC-A7CF3FE93503}" type="slidenum">
-              <a:rPr lang="en-US" smtClean="0"/>
-              <a:pPr/>
-              <a:t>11</a:t>
-            </a:fld>
-            <a:endParaRPr lang="en-US" dirty="0"/>
-          </a:p>
-        </p:txBody>
-      </p:sp>
-      <p:sp>
-        <p:nvSpPr>
-          <p:cNvPr id="4" name="Text Placeholder 3">
-            <a:extLst>
-              <a:ext uri="{FF2B5EF4-FFF2-40B4-BE49-F238E27FC236}">
-                <a16:creationId xmlns:a16="http://schemas.microsoft.com/office/drawing/2014/main" id="{80EB8258-4272-6932-CD96-254388F0414F}"/>
-              </a:ext>
-            </a:extLst>
-          </p:cNvPr>
-          <p:cNvSpPr>
-            <a:spLocks noGrp="1"/>
-          </p:cNvSpPr>
-          <p:nvPr>
-            <p:ph type="body" sz="quarter" idx="16"/>
-          </p:nvPr>
-        </p:nvSpPr>
-        <p:spPr>
-          <a:xfrm>
-            <a:off x="7767579" y="540000"/>
-            <a:ext cx="3600000" cy="2916793"/>
-          </a:xfrm>
-        </p:spPr>
-        <p:txBody>
-          <a:bodyPr/>
-          <a:lstStyle/>
-          <a:p>
-            <a:endParaRPr lang="en-GB" dirty="0"/>
-          </a:p>
-        </p:txBody>
-      </p:sp>
-      <p:sp>
-        <p:nvSpPr>
-          <p:cNvPr id="5" name="Text Placeholder 4">
-            <a:extLst>
-              <a:ext uri="{FF2B5EF4-FFF2-40B4-BE49-F238E27FC236}">
-                <a16:creationId xmlns:a16="http://schemas.microsoft.com/office/drawing/2014/main" id="{05FC2AE1-ADEE-A7A7-D5F8-E86FBA3986B6}"/>
-              </a:ext>
-            </a:extLst>
-          </p:cNvPr>
-          <p:cNvSpPr>
-            <a:spLocks noGrp="1"/>
-          </p:cNvSpPr>
-          <p:nvPr>
-            <p:ph type="body" sz="quarter" idx="10"/>
-          </p:nvPr>
-        </p:nvSpPr>
-        <p:spPr/>
-        <p:txBody>
-          <a:bodyPr/>
-          <a:lstStyle/>
-          <a:p>
-            <a:r>
-              <a:rPr lang="en-GB" dirty="0"/>
-              <a:t>Next Steps / Recommendations</a:t>
-            </a:r>
-          </a:p>
-        </p:txBody>
-      </p:sp>
-    </p:spTree>
-    <p:extLst>
-      <p:ext uri="{BB962C8B-B14F-4D97-AF65-F5344CB8AC3E}">
-        <p14:creationId xmlns:p14="http://schemas.microsoft.com/office/powerpoint/2010/main" val="3427670528"/>
-      </p:ext>
-    </p:extLst>
-  </p:cSld>
-  <p:clrMapOvr>
-    <a:masterClrMapping/>
-  </p:clrMapOvr>
-</p:sld>
-</file>
-
-<file path=ppt/slides/slide12.xml><?xml version="1.0" encoding="utf-8"?>
-<p:sld xmlns:a="http://schemas.openxmlformats.org/drawingml/2006/main" xmlns:r="http://schemas.openxmlformats.org/officeDocument/2006/relationships" xmlns:p="http://schemas.openxmlformats.org/presentationml/2006/main">
-  <p:cSld>
-    <p:spTree>
-      <p:nvGrpSpPr>
-        <p:cNvPr id="1" name=""/>
-        <p:cNvGrpSpPr/>
-        <p:nvPr/>
-      </p:nvGrpSpPr>
-      <p:grpSpPr>
-        <a:xfrm>
-          <a:off x="0" y="0"/>
-          <a:ext cx="0" cy="0"/>
-          <a:chOff x="0" y="0"/>
-          <a:chExt cx="0" cy="0"/>
-        </a:xfrm>
-      </p:grpSpPr>
-      <p:sp>
-        <p:nvSpPr>
-          <p:cNvPr id="2" name="Text Placeholder 1">
-            <a:extLst>
-              <a:ext uri="{FF2B5EF4-FFF2-40B4-BE49-F238E27FC236}">
-                <a16:creationId xmlns:a16="http://schemas.microsoft.com/office/drawing/2014/main" id="{EDF14101-9C45-B999-A22D-70E4D9203B97}"/>
-              </a:ext>
-            </a:extLst>
-          </p:cNvPr>
-          <p:cNvSpPr>
-            <a:spLocks noGrp="1"/>
-          </p:cNvSpPr>
-          <p:nvPr>
-            <p:ph type="body" sz="quarter" idx="11"/>
-          </p:nvPr>
-        </p:nvSpPr>
-        <p:spPr/>
-        <p:txBody>
-          <a:bodyPr/>
-          <a:lstStyle/>
-          <a:p>
-            <a:r>
-              <a:rPr lang="en-US" dirty="0"/>
-              <a:t>Thank You</a:t>
-            </a:r>
-            <a:endParaRPr lang="en-GB" dirty="0"/>
-          </a:p>
-        </p:txBody>
-      </p:sp>
-    </p:spTree>
-    <p:extLst>
-      <p:ext uri="{BB962C8B-B14F-4D97-AF65-F5344CB8AC3E}">
-        <p14:creationId xmlns:p14="http://schemas.microsoft.com/office/powerpoint/2010/main" val="2641947515"/>
       </p:ext>
     </p:extLst>
   </p:cSld>
@@ -6527,7 +6124,7 @@
         <p:spPr>
           <a:xfrm>
             <a:off x="360000" y="1800000"/>
-            <a:ext cx="7320960" cy="2916793"/>
+            <a:ext cx="7320960" cy="1563357"/>
           </a:xfrm>
         </p:spPr>
         <p:txBody>
@@ -6535,21 +6132,22 @@
           <a:lstStyle/>
           <a:p>
             <a:r>
-              <a:rPr lang="en-GB" dirty="0"/>
-              <a:t>Auditors currently do not verify whether the doctors on scanned documents are legitimate. </a:t>
+              <a:rPr lang="en-CA" dirty="0"/>
+              <a:t>Auditors do not currently verify doctors’ legitimacy on scanned documents</a:t>
             </a:r>
           </a:p>
           <a:p>
             <a:r>
-              <a:rPr lang="en-GB" dirty="0"/>
-              <a:t>Manual verification via the HKMC website is time‑consuming and inconsistent. </a:t>
+              <a:rPr lang="en-CA" dirty="0"/>
+              <a:t>Manual checks via HKMC are slow and inconsistent</a:t>
             </a:r>
           </a:p>
           <a:p>
             <a:r>
-              <a:rPr lang="en-GB" dirty="0"/>
-              <a:t>Need for an automated, scalable, and reliable verification process.</a:t>
+              <a:rPr lang="en-CA" dirty="0"/>
+              <a:t>Need for an automated and scalable verification process</a:t>
             </a:r>
+            <a:endParaRPr lang="en-GB" dirty="0"/>
           </a:p>
         </p:txBody>
       </p:sp>
@@ -6585,36 +6183,6 @@
       </p:sp>
       <p:sp>
         <p:nvSpPr>
-          <p:cNvPr id="4" name="Text Placeholder 3">
-            <a:extLst>
-              <a:ext uri="{FF2B5EF4-FFF2-40B4-BE49-F238E27FC236}">
-                <a16:creationId xmlns:a16="http://schemas.microsoft.com/office/drawing/2014/main" id="{3645CF9A-C0AA-B0B4-A262-BC6480DC095D}"/>
-              </a:ext>
-            </a:extLst>
-          </p:cNvPr>
-          <p:cNvSpPr>
-            <a:spLocks noGrp="1"/>
-          </p:cNvSpPr>
-          <p:nvPr>
-            <p:ph type="body" sz="quarter" idx="16"/>
-          </p:nvPr>
-        </p:nvSpPr>
-        <p:spPr>
-          <a:xfrm>
-            <a:off x="7998167" y="420279"/>
-            <a:ext cx="3600000" cy="2916793"/>
-          </a:xfrm>
-        </p:spPr>
-        <p:txBody>
-          <a:bodyPr/>
-          <a:lstStyle/>
-          <a:p>
-            <a:endParaRPr lang="en-GB"/>
-          </a:p>
-        </p:txBody>
-      </p:sp>
-      <p:sp>
-        <p:nvSpPr>
           <p:cNvPr id="5" name="Text Placeholder 4">
             <a:extLst>
               <a:ext uri="{FF2B5EF4-FFF2-40B4-BE49-F238E27FC236}">
@@ -6635,13 +6203,219 @@
           <a:lstStyle/>
           <a:p>
             <a:r>
-              <a:rPr lang="en-US" dirty="0"/>
-              <a:t>Background</a:t>
+              <a:rPr lang="en-CA" dirty="0"/>
+              <a:t>Problem Statement &amp; Objective</a:t>
             </a:r>
             <a:endParaRPr lang="en-GB" dirty="0"/>
           </a:p>
         </p:txBody>
       </p:sp>
+      <p:pic>
+        <p:nvPicPr>
+          <p:cNvPr id="9" name="Picture 8" descr="A screenshot of a medical practitioner&#10;&#10;AI-generated content may be incorrect.">
+            <a:extLst>
+              <a:ext uri="{FF2B5EF4-FFF2-40B4-BE49-F238E27FC236}">
+                <a16:creationId xmlns:a16="http://schemas.microsoft.com/office/drawing/2014/main" id="{1B02A70A-B0C7-FCEC-8082-6CE0DEFE4FBF}"/>
+              </a:ext>
+            </a:extLst>
+          </p:cNvPr>
+          <p:cNvPicPr>
+            <a:picLocks noChangeAspect="1"/>
+          </p:cNvPicPr>
+          <p:nvPr/>
+        </p:nvPicPr>
+        <p:blipFill>
+          <a:blip r:embed="rId2">
+            <a:extLst>
+              <a:ext uri="{28A0092B-C50C-407E-A947-70E740481C1C}">
+                <a14:useLocalDpi xmlns:a14="http://schemas.microsoft.com/office/drawing/2010/main" val="0"/>
+              </a:ext>
+            </a:extLst>
+          </a:blip>
+          <a:stretch>
+            <a:fillRect/>
+          </a:stretch>
+        </p:blipFill>
+        <p:spPr>
+          <a:xfrm>
+            <a:off x="3084605" y="3823184"/>
+            <a:ext cx="4136771" cy="1338676"/>
+          </a:xfrm>
+          <a:prstGeom prst="rect">
+            <a:avLst/>
+          </a:prstGeom>
+        </p:spPr>
+      </p:pic>
+      <p:pic>
+        <p:nvPicPr>
+          <p:cNvPr id="11" name="Picture 10" descr="A black clock with a red exclamation mark&#10;&#10;AI-generated content may be incorrect.">
+            <a:extLst>
+              <a:ext uri="{FF2B5EF4-FFF2-40B4-BE49-F238E27FC236}">
+                <a16:creationId xmlns:a16="http://schemas.microsoft.com/office/drawing/2014/main" id="{826E2BC1-AAD1-4C42-EF78-DF078288E6E1}"/>
+              </a:ext>
+            </a:extLst>
+          </p:cNvPr>
+          <p:cNvPicPr>
+            <a:picLocks noChangeAspect="1"/>
+          </p:cNvPicPr>
+          <p:nvPr/>
+        </p:nvPicPr>
+        <p:blipFill>
+          <a:blip r:embed="rId3">
+            <a:extLst>
+              <a:ext uri="{28A0092B-C50C-407E-A947-70E740481C1C}">
+                <a14:useLocalDpi xmlns:a14="http://schemas.microsoft.com/office/drawing/2010/main" val="0"/>
+              </a:ext>
+            </a:extLst>
+          </a:blip>
+          <a:stretch>
+            <a:fillRect/>
+          </a:stretch>
+        </p:blipFill>
+        <p:spPr>
+          <a:xfrm>
+            <a:off x="8066501" y="3494644"/>
+            <a:ext cx="2203646" cy="1995755"/>
+          </a:xfrm>
+          <a:prstGeom prst="rect">
+            <a:avLst/>
+          </a:prstGeom>
+        </p:spPr>
+      </p:pic>
+      <p:sp>
+        <p:nvSpPr>
+          <p:cNvPr id="12" name="Right Arrow 11">
+            <a:extLst>
+              <a:ext uri="{FF2B5EF4-FFF2-40B4-BE49-F238E27FC236}">
+                <a16:creationId xmlns:a16="http://schemas.microsoft.com/office/drawing/2014/main" id="{186DC1AC-BADC-51D0-44E1-A49DD05E0EB4}"/>
+              </a:ext>
+            </a:extLst>
+          </p:cNvPr>
+          <p:cNvSpPr/>
+          <p:nvPr/>
+        </p:nvSpPr>
+        <p:spPr>
+          <a:xfrm>
+            <a:off x="2208435" y="4326766"/>
+            <a:ext cx="691849" cy="331512"/>
+          </a:xfrm>
+          <a:prstGeom prst="rightArrow">
+            <a:avLst/>
+          </a:prstGeom>
+          <a:ln>
+            <a:noFill/>
+          </a:ln>
+        </p:spPr>
+        <p:style>
+          <a:lnRef idx="2">
+            <a:schemeClr val="accent1">
+              <a:shade val="50000"/>
+            </a:schemeClr>
+          </a:lnRef>
+          <a:fillRef idx="1">
+            <a:schemeClr val="accent1"/>
+          </a:fillRef>
+          <a:effectRef idx="0">
+            <a:schemeClr val="accent1"/>
+          </a:effectRef>
+          <a:fontRef idx="minor">
+            <a:schemeClr val="lt1"/>
+          </a:fontRef>
+        </p:style>
+        <p:txBody>
+          <a:bodyPr rtlCol="0" anchor="ctr"/>
+          <a:lstStyle/>
+          <a:p>
+            <a:pPr algn="ctr"/>
+            <a:endParaRPr lang="en-US"/>
+          </a:p>
+        </p:txBody>
+      </p:sp>
+      <p:sp>
+        <p:nvSpPr>
+          <p:cNvPr id="14" name="Right Arrow 13">
+            <a:extLst>
+              <a:ext uri="{FF2B5EF4-FFF2-40B4-BE49-F238E27FC236}">
+                <a16:creationId xmlns:a16="http://schemas.microsoft.com/office/drawing/2014/main" id="{74A58A27-7CA7-94C9-745F-EA919574C2EC}"/>
+              </a:ext>
+            </a:extLst>
+          </p:cNvPr>
+          <p:cNvSpPr/>
+          <p:nvPr/>
+        </p:nvSpPr>
+        <p:spPr>
+          <a:xfrm>
+            <a:off x="7333632" y="4326766"/>
+            <a:ext cx="691849" cy="331512"/>
+          </a:xfrm>
+          <a:prstGeom prst="rightArrow">
+            <a:avLst/>
+          </a:prstGeom>
+          <a:ln>
+            <a:noFill/>
+          </a:ln>
+        </p:spPr>
+        <p:style>
+          <a:lnRef idx="2">
+            <a:schemeClr val="accent1">
+              <a:shade val="50000"/>
+            </a:schemeClr>
+          </a:lnRef>
+          <a:fillRef idx="1">
+            <a:schemeClr val="accent1"/>
+          </a:fillRef>
+          <a:effectRef idx="0">
+            <a:schemeClr val="accent1"/>
+          </a:effectRef>
+          <a:fontRef idx="minor">
+            <a:schemeClr val="lt1"/>
+          </a:fontRef>
+        </p:style>
+        <p:txBody>
+          <a:bodyPr rtlCol="0" anchor="ctr"/>
+          <a:lstStyle/>
+          <a:p>
+            <a:pPr algn="ctr"/>
+            <a:endParaRPr lang="en-US"/>
+          </a:p>
+        </p:txBody>
+      </p:sp>
+      <p:pic>
+        <p:nvPicPr>
+          <p:cNvPr id="18" name="Picture 17" descr="A stack of files and folders&#10;&#10;AI-generated content may be incorrect.">
+            <a:extLst>
+              <a:ext uri="{FF2B5EF4-FFF2-40B4-BE49-F238E27FC236}">
+                <a16:creationId xmlns:a16="http://schemas.microsoft.com/office/drawing/2014/main" id="{22A82D80-E3C8-7EF6-F542-10680C85B08D}"/>
+              </a:ext>
+            </a:extLst>
+          </p:cNvPr>
+          <p:cNvPicPr>
+            <a:picLocks noChangeAspect="1"/>
+          </p:cNvPicPr>
+          <p:nvPr/>
+        </p:nvPicPr>
+        <p:blipFill>
+          <a:blip r:embed="rId4">
+            <a:extLst>
+              <a:ext uri="{28A0092B-C50C-407E-A947-70E740481C1C}">
+                <a14:useLocalDpi xmlns:a14="http://schemas.microsoft.com/office/drawing/2010/main" val="0"/>
+              </a:ext>
+            </a:extLst>
+          </a:blip>
+          <a:stretch>
+            <a:fillRect/>
+          </a:stretch>
+        </p:blipFill>
+        <p:spPr>
+          <a:xfrm>
+            <a:off x="359999" y="3838864"/>
+            <a:ext cx="1807416" cy="1320023"/>
+          </a:xfrm>
+          <a:prstGeom prst="rect">
+            <a:avLst/>
+          </a:prstGeom>
+        </p:spPr>
+      </p:pic>
     </p:spTree>
     <p:extLst>
       <p:ext uri="{BB962C8B-B14F-4D97-AF65-F5344CB8AC3E}">
@@ -6699,55 +6473,22 @@
           <a:lstStyle/>
           <a:p>
             <a:r>
-              <a:rPr lang="en-GB" dirty="0"/>
-              <a:t>Goal: </a:t>
+              <a:rPr lang="en-CA" dirty="0"/>
+              <a:t>OCR extracts doctor names from scanned documents</a:t>
             </a:r>
           </a:p>
           <a:p>
-            <a:pPr lvl="1">
-              <a:buFont typeface="Arial" panose="020B0604020202020204" pitchFamily="34" charset="0"/>
-              <a:buChar char="•"/>
-            </a:pPr>
             <a:r>
-              <a:rPr lang="en-GB" dirty="0"/>
-              <a:t>Automate the verification of doctors’ legitimacy on scanned documents. </a:t>
+              <a:rPr lang="en-CA" dirty="0"/>
+              <a:t>Names are matched against HKMC registered doctor list</a:t>
             </a:r>
           </a:p>
           <a:p>
             <a:r>
-              <a:rPr lang="en-GB" dirty="0"/>
-              <a:t>Approach: </a:t>
+              <a:rPr lang="en-CA" dirty="0"/>
+              <a:t>Results exported for audit and analytics</a:t>
             </a:r>
-          </a:p>
-          <a:p>
-            <a:pPr lvl="1">
-              <a:buFont typeface="Arial" panose="020B0604020202020204" pitchFamily="34" charset="0"/>
-              <a:buChar char="•"/>
-            </a:pPr>
-            <a:r>
-              <a:rPr lang="en-GB" dirty="0"/>
-              <a:t>Use OCR to extract doctor names </a:t>
-            </a:r>
-          </a:p>
-          <a:p>
-            <a:pPr lvl="1">
-              <a:buFont typeface="Arial" panose="020B0604020202020204" pitchFamily="34" charset="0"/>
-              <a:buChar char="•"/>
-            </a:pPr>
-            <a:r>
-              <a:rPr lang="en-GB" dirty="0"/>
-              <a:t>Cross-check names with HKMC registered doctor list </a:t>
-            </a:r>
-          </a:p>
-          <a:p>
-            <a:pPr lvl="1">
-              <a:buFont typeface="Arial" panose="020B0604020202020204" pitchFamily="34" charset="0"/>
-              <a:buChar char="•"/>
-            </a:pPr>
-            <a:r>
-              <a:rPr lang="en-GB" dirty="0"/>
-              <a:t>Export results for audit analytics</a:t>
-            </a:r>
+            <a:endParaRPr lang="en-GB" dirty="0"/>
           </a:p>
         </p:txBody>
       </p:sp>
@@ -6783,36 +6524,6 @@
       </p:sp>
       <p:sp>
         <p:nvSpPr>
-          <p:cNvPr id="4" name="Text Placeholder 3">
-            <a:extLst>
-              <a:ext uri="{FF2B5EF4-FFF2-40B4-BE49-F238E27FC236}">
-                <a16:creationId xmlns:a16="http://schemas.microsoft.com/office/drawing/2014/main" id="{E4797029-F864-F0A5-69B6-2FD1752AC3CA}"/>
-              </a:ext>
-            </a:extLst>
-          </p:cNvPr>
-          <p:cNvSpPr>
-            <a:spLocks noGrp="1"/>
-          </p:cNvSpPr>
-          <p:nvPr>
-            <p:ph type="body" sz="quarter" idx="16"/>
-          </p:nvPr>
-        </p:nvSpPr>
-        <p:spPr>
-          <a:xfrm>
-            <a:off x="8101534" y="420279"/>
-            <a:ext cx="3600000" cy="2916793"/>
-          </a:xfrm>
-        </p:spPr>
-        <p:txBody>
-          <a:bodyPr/>
-          <a:lstStyle/>
-          <a:p>
-            <a:endParaRPr lang="en-GB" dirty="0"/>
-          </a:p>
-        </p:txBody>
-      </p:sp>
-      <p:sp>
-        <p:nvSpPr>
           <p:cNvPr id="5" name="Text Placeholder 4">
             <a:extLst>
               <a:ext uri="{FF2B5EF4-FFF2-40B4-BE49-F238E27FC236}">
@@ -6833,10 +6544,142 @@
           <a:lstStyle/>
           <a:p>
             <a:r>
-              <a:rPr lang="en-US" dirty="0"/>
-              <a:t>Objective</a:t>
+              <a:rPr lang="en-CA" dirty="0"/>
+              <a:t>Proposed Automated Solution</a:t>
             </a:r>
             <a:endParaRPr lang="en-GB" dirty="0"/>
+          </a:p>
+        </p:txBody>
+      </p:sp>
+      <p:pic>
+        <p:nvPicPr>
+          <p:cNvPr id="8" name="Picture 7" descr="A magnifying glass and a magnifying glass&#10;&#10;AI-generated content may be incorrect.">
+            <a:extLst>
+              <a:ext uri="{FF2B5EF4-FFF2-40B4-BE49-F238E27FC236}">
+                <a16:creationId xmlns:a16="http://schemas.microsoft.com/office/drawing/2014/main" id="{78D689E9-9D72-F0B7-9EB9-D97178A090E1}"/>
+              </a:ext>
+            </a:extLst>
+          </p:cNvPr>
+          <p:cNvPicPr>
+            <a:picLocks noChangeAspect="1"/>
+          </p:cNvPicPr>
+          <p:nvPr/>
+        </p:nvPicPr>
+        <p:blipFill>
+          <a:blip r:embed="rId2">
+            <a:extLst>
+              <a:ext uri="{28A0092B-C50C-407E-A947-70E740481C1C}">
+                <a14:useLocalDpi xmlns:a14="http://schemas.microsoft.com/office/drawing/2010/main" val="0"/>
+              </a:ext>
+            </a:extLst>
+          </a:blip>
+          <a:stretch>
+            <a:fillRect/>
+          </a:stretch>
+        </p:blipFill>
+        <p:spPr>
+          <a:xfrm>
+            <a:off x="689085" y="3762146"/>
+            <a:ext cx="5233921" cy="1909289"/>
+          </a:xfrm>
+          <a:prstGeom prst="rect">
+            <a:avLst/>
+          </a:prstGeom>
+        </p:spPr>
+      </p:pic>
+      <p:pic>
+        <p:nvPicPr>
+          <p:cNvPr id="2052" name="Picture 4" descr="Database - Free seo and web icons">
+            <a:extLst>
+              <a:ext uri="{FF2B5EF4-FFF2-40B4-BE49-F238E27FC236}">
+                <a16:creationId xmlns:a16="http://schemas.microsoft.com/office/drawing/2014/main" id="{C4027D2D-EBFD-B3CE-E166-55976ADBFFB7}"/>
+              </a:ext>
+            </a:extLst>
+          </p:cNvPr>
+          <p:cNvPicPr>
+            <a:picLocks noChangeAspect="1" noChangeArrowheads="1"/>
+          </p:cNvPicPr>
+          <p:nvPr/>
+        </p:nvPicPr>
+        <p:blipFill>
+          <a:blip r:embed="rId3">
+            <a:extLst>
+              <a:ext uri="{28A0092B-C50C-407E-A947-70E740481C1C}">
+                <a14:useLocalDpi xmlns:a14="http://schemas.microsoft.com/office/drawing/2010/main" val="0"/>
+              </a:ext>
+            </a:extLst>
+          </a:blip>
+          <a:srcRect/>
+          <a:stretch>
+            <a:fillRect/>
+          </a:stretch>
+        </p:blipFill>
+        <p:spPr bwMode="auto">
+          <a:xfrm>
+            <a:off x="7827766" y="3889148"/>
+            <a:ext cx="1655281" cy="1655281"/>
+          </a:xfrm>
+          <a:prstGeom prst="rect">
+            <a:avLst/>
+          </a:prstGeom>
+          <a:noFill/>
+          <a:extLst>
+            <a:ext uri="{909E8E84-426E-40DD-AFC4-6F175D3DCCD1}">
+              <a14:hiddenFill xmlns:a14="http://schemas.microsoft.com/office/drawing/2010/main">
+                <a:solidFill>
+                  <a:srgbClr val="FFFFFF"/>
+                </a:solidFill>
+              </a14:hiddenFill>
+            </a:ext>
+          </a:extLst>
+        </p:spPr>
+      </p:pic>
+      <p:sp>
+        <p:nvSpPr>
+          <p:cNvPr id="11" name="Left-Right Arrow 10">
+            <a:extLst>
+              <a:ext uri="{FF2B5EF4-FFF2-40B4-BE49-F238E27FC236}">
+                <a16:creationId xmlns:a16="http://schemas.microsoft.com/office/drawing/2014/main" id="{18D14555-2ADB-647A-9B3D-60B80376EB3D}"/>
+              </a:ext>
+            </a:extLst>
+          </p:cNvPr>
+          <p:cNvSpPr/>
+          <p:nvPr/>
+        </p:nvSpPr>
+        <p:spPr>
+          <a:xfrm>
+            <a:off x="6452126" y="4633645"/>
+            <a:ext cx="976090" cy="174202"/>
+          </a:xfrm>
+          <a:prstGeom prst="leftRightArrow">
+            <a:avLst/>
+          </a:prstGeom>
+          <a:ln>
+            <a:noFill/>
+          </a:ln>
+        </p:spPr>
+        <p:style>
+          <a:lnRef idx="2">
+            <a:schemeClr val="accent1">
+              <a:shade val="50000"/>
+            </a:schemeClr>
+          </a:lnRef>
+          <a:fillRef idx="1">
+            <a:schemeClr val="accent1"/>
+          </a:fillRef>
+          <a:effectRef idx="0">
+            <a:schemeClr val="accent1"/>
+          </a:effectRef>
+          <a:fontRef idx="minor">
+            <a:schemeClr val="lt1"/>
+          </a:fontRef>
+        </p:style>
+        <p:txBody>
+          <a:bodyPr rtlCol="0" anchor="ctr"/>
+          <a:lstStyle/>
+          <a:p>
+            <a:pPr algn="ctr"/>
+            <a:endParaRPr lang="en-US"/>
           </a:p>
         </p:txBody>
       </p:sp>
@@ -6896,43 +6739,21 @@
           <a:bodyPr/>
           <a:lstStyle/>
           <a:p>
-            <a:pPr marL="342900" indent="-342900">
-              <a:buFont typeface="+mj-lt"/>
-              <a:buAutoNum type="arabicPeriod"/>
-            </a:pPr>
             <a:r>
-              <a:rPr lang="en-GB" dirty="0"/>
-              <a:t>Extract all registered doctors’ English names from HKMC </a:t>
+              <a:rPr lang="en-CA" dirty="0"/>
+              <a:t>Eliminates manual checking</a:t>
             </a:r>
           </a:p>
           <a:p>
-            <a:pPr marL="342900" indent="-342900">
-              <a:buFont typeface="+mj-lt"/>
-              <a:buAutoNum type="arabicPeriod"/>
-            </a:pPr>
             <a:r>
-              <a:rPr lang="en-GB" dirty="0"/>
-              <a:t>Use OCR to extract doctor names from scanned documents </a:t>
+              <a:rPr lang="en-CA" dirty="0"/>
+              <a:t>Ensures consistent verification</a:t>
             </a:r>
           </a:p>
           <a:p>
-            <a:pPr marL="342900" indent="-342900">
-              <a:buFont typeface="+mj-lt"/>
-              <a:buAutoNum type="arabicPeriod"/>
-            </a:pPr>
             <a:r>
-              <a:rPr lang="en-GB" dirty="0"/>
-              <a:t>Compare OCR results with HKMC name list (exact match) </a:t>
-            </a:r>
-          </a:p>
-          <a:p>
-            <a:pPr marL="342900" indent="-342900">
-              <a:buFont typeface="+mj-lt"/>
-              <a:buAutoNum type="arabicPeriod"/>
-            </a:pPr>
-            <a:r>
-              <a:rPr lang="en-GB" dirty="0"/>
-              <a:t>Output results to Excel for further analysis</a:t>
+              <a:rPr lang="en-CA" dirty="0"/>
+              <a:t>Scales to high claim volumes</a:t>
             </a:r>
           </a:p>
         </p:txBody>
@@ -6969,36 +6790,6 @@
       </p:sp>
       <p:sp>
         <p:nvSpPr>
-          <p:cNvPr id="4" name="Text Placeholder 3">
-            <a:extLst>
-              <a:ext uri="{FF2B5EF4-FFF2-40B4-BE49-F238E27FC236}">
-                <a16:creationId xmlns:a16="http://schemas.microsoft.com/office/drawing/2014/main" id="{46047A50-CCAC-052F-B142-790FD5BD02AE}"/>
-              </a:ext>
-            </a:extLst>
-          </p:cNvPr>
-          <p:cNvSpPr>
-            <a:spLocks noGrp="1"/>
-          </p:cNvSpPr>
-          <p:nvPr>
-            <p:ph type="body" sz="quarter" idx="16"/>
-          </p:nvPr>
-        </p:nvSpPr>
-        <p:spPr>
-          <a:xfrm>
-            <a:off x="8029972" y="420279"/>
-            <a:ext cx="3600000" cy="2916793"/>
-          </a:xfrm>
-        </p:spPr>
-        <p:txBody>
-          <a:bodyPr/>
-          <a:lstStyle/>
-          <a:p>
-            <a:endParaRPr lang="en-GB" dirty="0"/>
-          </a:p>
-        </p:txBody>
-      </p:sp>
-      <p:sp>
-        <p:nvSpPr>
           <p:cNvPr id="5" name="Text Placeholder 4">
             <a:extLst>
               <a:ext uri="{FF2B5EF4-FFF2-40B4-BE49-F238E27FC236}">
@@ -7019,13 +6810,290 @@
           <a:lstStyle/>
           <a:p>
             <a:r>
-              <a:rPr lang="en-US" dirty="0"/>
-              <a:t>Proposed Workflow</a:t>
+              <a:rPr lang="en-CA" dirty="0"/>
+              <a:t>Business Value</a:t>
             </a:r>
             <a:endParaRPr lang="en-GB" dirty="0"/>
           </a:p>
         </p:txBody>
       </p:sp>
+      <p:pic>
+        <p:nvPicPr>
+          <p:cNvPr id="3074" name="Picture 2" descr="Save Time Icon Vector Art, Icons, and Graphics for Free Download">
+            <a:extLst>
+              <a:ext uri="{FF2B5EF4-FFF2-40B4-BE49-F238E27FC236}">
+                <a16:creationId xmlns:a16="http://schemas.microsoft.com/office/drawing/2014/main" id="{BA5B2024-8054-747D-91D1-97561EB514A2}"/>
+              </a:ext>
+            </a:extLst>
+          </p:cNvPr>
+          <p:cNvPicPr>
+            <a:picLocks noChangeAspect="1" noChangeArrowheads="1"/>
+          </p:cNvPicPr>
+          <p:nvPr/>
+        </p:nvPicPr>
+        <p:blipFill>
+          <a:blip r:embed="rId2">
+            <a:extLst>
+              <a:ext uri="{28A0092B-C50C-407E-A947-70E740481C1C}">
+                <a14:useLocalDpi xmlns:a14="http://schemas.microsoft.com/office/drawing/2010/main" val="0"/>
+              </a:ext>
+            </a:extLst>
+          </a:blip>
+          <a:srcRect/>
+          <a:stretch>
+            <a:fillRect/>
+          </a:stretch>
+        </p:blipFill>
+        <p:spPr bwMode="auto">
+          <a:xfrm>
+            <a:off x="5940000" y="936657"/>
+            <a:ext cx="1899182" cy="1899182"/>
+          </a:xfrm>
+          <a:prstGeom prst="rect">
+            <a:avLst/>
+          </a:prstGeom>
+          <a:noFill/>
+          <a:extLst>
+            <a:ext uri="{909E8E84-426E-40DD-AFC4-6F175D3DCCD1}">
+              <a14:hiddenFill xmlns:a14="http://schemas.microsoft.com/office/drawing/2010/main">
+                <a:solidFill>
+                  <a:srgbClr val="FFFFFF"/>
+                </a:solidFill>
+              </a14:hiddenFill>
+            </a:ext>
+          </a:extLst>
+        </p:spPr>
+      </p:pic>
+      <p:pic>
+        <p:nvPicPr>
+          <p:cNvPr id="7" name="Picture 6" descr="A speedometer with different colored faces&#10;&#10;AI-generated content may be incorrect.">
+            <a:extLst>
+              <a:ext uri="{FF2B5EF4-FFF2-40B4-BE49-F238E27FC236}">
+                <a16:creationId xmlns:a16="http://schemas.microsoft.com/office/drawing/2014/main" id="{60BCD5A8-7E0D-B1A4-819A-D464EC508E76}"/>
+              </a:ext>
+            </a:extLst>
+          </p:cNvPr>
+          <p:cNvPicPr>
+            <a:picLocks noChangeAspect="1"/>
+          </p:cNvPicPr>
+          <p:nvPr/>
+        </p:nvPicPr>
+        <p:blipFill>
+          <a:blip r:embed="rId3">
+            <a:extLst>
+              <a:ext uri="{28A0092B-C50C-407E-A947-70E740481C1C}">
+                <a14:useLocalDpi xmlns:a14="http://schemas.microsoft.com/office/drawing/2010/main" val="0"/>
+              </a:ext>
+            </a:extLst>
+          </a:blip>
+          <a:stretch>
+            <a:fillRect/>
+          </a:stretch>
+        </p:blipFill>
+        <p:spPr>
+          <a:xfrm>
+            <a:off x="7707506" y="4065390"/>
+            <a:ext cx="2362244" cy="1878744"/>
+          </a:xfrm>
+          <a:prstGeom prst="rect">
+            <a:avLst/>
+          </a:prstGeom>
+        </p:spPr>
+      </p:pic>
+      <p:sp>
+        <p:nvSpPr>
+          <p:cNvPr id="12" name="Left-Right Arrow 11">
+            <a:extLst>
+              <a:ext uri="{FF2B5EF4-FFF2-40B4-BE49-F238E27FC236}">
+                <a16:creationId xmlns:a16="http://schemas.microsoft.com/office/drawing/2014/main" id="{29636CC3-0C36-6198-7B79-BBB7EAAED29F}"/>
+              </a:ext>
+            </a:extLst>
+          </p:cNvPr>
+          <p:cNvSpPr/>
+          <p:nvPr/>
+        </p:nvSpPr>
+        <p:spPr>
+          <a:xfrm>
+            <a:off x="6351389" y="4701858"/>
+            <a:ext cx="1150705" cy="276447"/>
+          </a:xfrm>
+          <a:prstGeom prst="leftRightArrow">
+            <a:avLst/>
+          </a:prstGeom>
+          <a:ln>
+            <a:noFill/>
+          </a:ln>
+        </p:spPr>
+        <p:style>
+          <a:lnRef idx="2">
+            <a:schemeClr val="accent1">
+              <a:shade val="50000"/>
+            </a:schemeClr>
+          </a:lnRef>
+          <a:fillRef idx="1">
+            <a:schemeClr val="accent1"/>
+          </a:fillRef>
+          <a:effectRef idx="0">
+            <a:schemeClr val="accent1"/>
+          </a:effectRef>
+          <a:fontRef idx="minor">
+            <a:schemeClr val="lt1"/>
+          </a:fontRef>
+        </p:style>
+        <p:txBody>
+          <a:bodyPr rtlCol="0" anchor="ctr"/>
+          <a:lstStyle/>
+          <a:p>
+            <a:pPr algn="ctr"/>
+            <a:endParaRPr lang="en-US"/>
+          </a:p>
+        </p:txBody>
+      </p:sp>
+      <p:sp>
+        <p:nvSpPr>
+          <p:cNvPr id="13" name="Left-Right Arrow 12">
+            <a:extLst>
+              <a:ext uri="{FF2B5EF4-FFF2-40B4-BE49-F238E27FC236}">
+                <a16:creationId xmlns:a16="http://schemas.microsoft.com/office/drawing/2014/main" id="{812B8F7A-36D1-6109-B781-841271EBF7E5}"/>
+              </a:ext>
+            </a:extLst>
+          </p:cNvPr>
+          <p:cNvSpPr/>
+          <p:nvPr/>
+        </p:nvSpPr>
+        <p:spPr>
+          <a:xfrm rot="2935885">
+            <a:off x="7335748" y="3236280"/>
+            <a:ext cx="1150705" cy="276447"/>
+          </a:xfrm>
+          <a:prstGeom prst="leftRightArrow">
+            <a:avLst/>
+          </a:prstGeom>
+          <a:ln>
+            <a:noFill/>
+          </a:ln>
+        </p:spPr>
+        <p:style>
+          <a:lnRef idx="2">
+            <a:schemeClr val="accent1">
+              <a:shade val="50000"/>
+            </a:schemeClr>
+          </a:lnRef>
+          <a:fillRef idx="1">
+            <a:schemeClr val="accent1"/>
+          </a:fillRef>
+          <a:effectRef idx="0">
+            <a:schemeClr val="accent1"/>
+          </a:effectRef>
+          <a:fontRef idx="minor">
+            <a:schemeClr val="lt1"/>
+          </a:fontRef>
+        </p:style>
+        <p:txBody>
+          <a:bodyPr rtlCol="0" anchor="ctr"/>
+          <a:lstStyle/>
+          <a:p>
+            <a:pPr algn="ctr"/>
+            <a:endParaRPr lang="en-US"/>
+          </a:p>
+        </p:txBody>
+      </p:sp>
+      <p:sp>
+        <p:nvSpPr>
+          <p:cNvPr id="14" name="Left-Right Arrow 13">
+            <a:extLst>
+              <a:ext uri="{FF2B5EF4-FFF2-40B4-BE49-F238E27FC236}">
+                <a16:creationId xmlns:a16="http://schemas.microsoft.com/office/drawing/2014/main" id="{AD3DBA80-C792-6531-23F4-8CA439F1AC48}"/>
+              </a:ext>
+            </a:extLst>
+          </p:cNvPr>
+          <p:cNvSpPr/>
+          <p:nvPr/>
+        </p:nvSpPr>
+        <p:spPr>
+          <a:xfrm rot="18477443">
+            <a:off x="5364648" y="3236281"/>
+            <a:ext cx="1150705" cy="276447"/>
+          </a:xfrm>
+          <a:prstGeom prst="leftRightArrow">
+            <a:avLst/>
+          </a:prstGeom>
+          <a:ln>
+            <a:noFill/>
+          </a:ln>
+        </p:spPr>
+        <p:style>
+          <a:lnRef idx="2">
+            <a:schemeClr val="accent1">
+              <a:shade val="50000"/>
+            </a:schemeClr>
+          </a:lnRef>
+          <a:fillRef idx="1">
+            <a:schemeClr val="accent1"/>
+          </a:fillRef>
+          <a:effectRef idx="0">
+            <a:schemeClr val="accent1"/>
+          </a:effectRef>
+          <a:fontRef idx="minor">
+            <a:schemeClr val="lt1"/>
+          </a:fontRef>
+        </p:style>
+        <p:txBody>
+          <a:bodyPr rtlCol="0" anchor="ctr"/>
+          <a:lstStyle/>
+          <a:p>
+            <a:pPr algn="ctr"/>
+            <a:endParaRPr lang="en-US"/>
+          </a:p>
+        </p:txBody>
+      </p:sp>
+      <p:pic>
+        <p:nvPicPr>
+          <p:cNvPr id="3076" name="Picture 4" descr="Scalable system vector icon can be used for data analytics iconset |  Premium Vector">
+            <a:extLst>
+              <a:ext uri="{FF2B5EF4-FFF2-40B4-BE49-F238E27FC236}">
+                <a16:creationId xmlns:a16="http://schemas.microsoft.com/office/drawing/2014/main" id="{5A37CDE2-73B4-DBBB-A117-110AD59880B4}"/>
+              </a:ext>
+            </a:extLst>
+          </p:cNvPr>
+          <p:cNvPicPr>
+            <a:picLocks noChangeAspect="1" noChangeArrowheads="1"/>
+          </p:cNvPicPr>
+          <p:nvPr/>
+        </p:nvPicPr>
+        <p:blipFill>
+          <a:blip r:embed="rId4">
+            <a:extLst>
+              <a:ext uri="{28A0092B-C50C-407E-A947-70E740481C1C}">
+                <a14:useLocalDpi xmlns:a14="http://schemas.microsoft.com/office/drawing/2010/main" val="0"/>
+              </a:ext>
+            </a:extLst>
+          </a:blip>
+          <a:srcRect/>
+          <a:stretch>
+            <a:fillRect/>
+          </a:stretch>
+        </p:blipFill>
+        <p:spPr bwMode="auto">
+          <a:xfrm>
+            <a:off x="3841490" y="3913170"/>
+            <a:ext cx="1998323" cy="1998323"/>
+          </a:xfrm>
+          <a:prstGeom prst="rect">
+            <a:avLst/>
+          </a:prstGeom>
+          <a:noFill/>
+          <a:extLst>
+            <a:ext uri="{909E8E84-426E-40DD-AFC4-6F175D3DCCD1}">
+              <a14:hiddenFill xmlns:a14="http://schemas.microsoft.com/office/drawing/2010/main">
+                <a:solidFill>
+                  <a:srgbClr val="FFFFFF"/>
+                </a:solidFill>
+              </a14:hiddenFill>
+            </a:ext>
+          </a:extLst>
+        </p:spPr>
+      </p:pic>
     </p:spTree>
     <p:extLst>
       <p:ext uri="{BB962C8B-B14F-4D97-AF65-F5344CB8AC3E}">
@@ -7074,8 +7142,8 @@
         </p:nvSpPr>
         <p:spPr>
           <a:xfrm>
-            <a:off x="360000" y="1800000"/>
-            <a:ext cx="7138080" cy="2916793"/>
+            <a:off x="360000" y="1800001"/>
+            <a:ext cx="6184638" cy="1251424"/>
           </a:xfrm>
         </p:spPr>
         <p:txBody>
@@ -7083,26 +7151,18 @@
           <a:lstStyle/>
           <a:p>
             <a:r>
-              <a:rPr lang="en-GB" dirty="0"/>
-              <a:t>Removes manual checking by auditors </a:t>
+              <a:rPr lang="en-CA" b="1" dirty="0"/>
+              <a:t>Accuracy</a:t>
             </a:r>
           </a:p>
           <a:p>
+            <a:pPr lvl="1">
+              <a:buFont typeface="Arial" panose="020B0604020202020204" pitchFamily="34" charset="0"/>
+              <a:buChar char="•"/>
+            </a:pPr>
             <a:r>
-              <a:rPr lang="en-GB" dirty="0"/>
-              <a:t>Ensures consistent verification process </a:t>
-            </a:r>
-          </a:p>
-          <a:p>
-            <a:r>
-              <a:rPr lang="en-GB" dirty="0"/>
-              <a:t>Scales to large volumes of claims </a:t>
-            </a:r>
-          </a:p>
-          <a:p>
-            <a:r>
-              <a:rPr lang="en-GB" dirty="0"/>
-              <a:t>Produces structured data for advanced analytics</a:t>
+              <a:rPr lang="en-CA" dirty="0"/>
+              <a:t>OCR errors may cause missed matches (false negatives)</a:t>
             </a:r>
           </a:p>
         </p:txBody>
@@ -7139,36 +7199,6 @@
       </p:sp>
       <p:sp>
         <p:nvSpPr>
-          <p:cNvPr id="4" name="Text Placeholder 3">
-            <a:extLst>
-              <a:ext uri="{FF2B5EF4-FFF2-40B4-BE49-F238E27FC236}">
-                <a16:creationId xmlns:a16="http://schemas.microsoft.com/office/drawing/2014/main" id="{D707CE6C-7160-708E-B4BA-10E3E1891BDC}"/>
-              </a:ext>
-            </a:extLst>
-          </p:cNvPr>
-          <p:cNvSpPr>
-            <a:spLocks noGrp="1"/>
-          </p:cNvSpPr>
-          <p:nvPr>
-            <p:ph type="body" sz="quarter" idx="16"/>
-          </p:nvPr>
-        </p:nvSpPr>
-        <p:spPr>
-          <a:xfrm>
-            <a:off x="8093583" y="420279"/>
-            <a:ext cx="3600000" cy="2916793"/>
-          </a:xfrm>
-        </p:spPr>
-        <p:txBody>
-          <a:bodyPr/>
-          <a:lstStyle/>
-          <a:p>
-            <a:endParaRPr lang="en-GB" dirty="0"/>
-          </a:p>
-        </p:txBody>
-      </p:sp>
-      <p:sp>
-        <p:nvSpPr>
           <p:cNvPr id="5" name="Text Placeholder 4">
             <a:extLst>
               <a:ext uri="{FF2B5EF4-FFF2-40B4-BE49-F238E27FC236}">
@@ -7183,16 +7213,325 @@
             <p:ph type="body" sz="quarter" idx="10"/>
           </p:nvPr>
         </p:nvSpPr>
-        <p:spPr/>
+        <p:spPr>
+          <a:xfrm>
+            <a:off x="360000" y="540000"/>
+            <a:ext cx="11160000" cy="875064"/>
+          </a:xfrm>
+        </p:spPr>
         <p:txBody>
           <a:bodyPr/>
           <a:lstStyle/>
           <a:p>
             <a:r>
-              <a:rPr lang="en-US" dirty="0"/>
-              <a:t>Benefits of the Approach</a:t>
+              <a:rPr lang="en-CA" dirty="0"/>
+              <a:t>Current Limitations &amp; Risks</a:t>
             </a:r>
             <a:endParaRPr lang="en-GB" dirty="0"/>
+          </a:p>
+        </p:txBody>
+      </p:sp>
+      <p:pic>
+        <p:nvPicPr>
+          <p:cNvPr id="5122" name="Picture 2" descr="Time PNGs for Free Download">
+            <a:extLst>
+              <a:ext uri="{FF2B5EF4-FFF2-40B4-BE49-F238E27FC236}">
+                <a16:creationId xmlns:a16="http://schemas.microsoft.com/office/drawing/2014/main" id="{55B942C2-DDD5-F835-5175-B01E10211624}"/>
+              </a:ext>
+            </a:extLst>
+          </p:cNvPr>
+          <p:cNvPicPr>
+            <a:picLocks noChangeAspect="1" noChangeArrowheads="1"/>
+          </p:cNvPicPr>
+          <p:nvPr/>
+        </p:nvPicPr>
+        <p:blipFill>
+          <a:blip r:embed="rId2">
+            <a:extLst>
+              <a:ext uri="{28A0092B-C50C-407E-A947-70E740481C1C}">
+                <a14:useLocalDpi xmlns:a14="http://schemas.microsoft.com/office/drawing/2010/main" val="0"/>
+              </a:ext>
+            </a:extLst>
+          </a:blip>
+          <a:srcRect/>
+          <a:stretch>
+            <a:fillRect/>
+          </a:stretch>
+        </p:blipFill>
+        <p:spPr bwMode="auto">
+          <a:xfrm>
+            <a:off x="4929351" y="3429000"/>
+            <a:ext cx="2021298" cy="2021298"/>
+          </a:xfrm>
+          <a:prstGeom prst="rect">
+            <a:avLst/>
+          </a:prstGeom>
+          <a:noFill/>
+          <a:extLst>
+            <a:ext uri="{909E8E84-426E-40DD-AFC4-6F175D3DCCD1}">
+              <a14:hiddenFill xmlns:a14="http://schemas.microsoft.com/office/drawing/2010/main">
+                <a:solidFill>
+                  <a:srgbClr val="FFFFFF"/>
+                </a:solidFill>
+              </a14:hiddenFill>
+            </a:ext>
+          </a:extLst>
+        </p:spPr>
+      </p:pic>
+      <p:pic>
+        <p:nvPicPr>
+          <p:cNvPr id="8" name="Picture 7" descr="A red and white circle with black dots&#10;&#10;AI-generated content may be incorrect.">
+            <a:extLst>
+              <a:ext uri="{FF2B5EF4-FFF2-40B4-BE49-F238E27FC236}">
+                <a16:creationId xmlns:a16="http://schemas.microsoft.com/office/drawing/2014/main" id="{C4B47521-C506-4B63-070B-D681EF9D62E4}"/>
+              </a:ext>
+            </a:extLst>
+          </p:cNvPr>
+          <p:cNvPicPr>
+            <a:picLocks noChangeAspect="1"/>
+          </p:cNvPicPr>
+          <p:nvPr/>
+        </p:nvPicPr>
+        <p:blipFill>
+          <a:blip r:embed="rId3">
+            <a:extLst>
+              <a:ext uri="{28A0092B-C50C-407E-A947-70E740481C1C}">
+                <a14:useLocalDpi xmlns:a14="http://schemas.microsoft.com/office/drawing/2010/main" val="0"/>
+              </a:ext>
+            </a:extLst>
+          </a:blip>
+          <a:stretch>
+            <a:fillRect/>
+          </a:stretch>
+        </p:blipFill>
+        <p:spPr>
+          <a:xfrm>
+            <a:off x="7190143" y="1655112"/>
+            <a:ext cx="1396313" cy="1396313"/>
+          </a:xfrm>
+          <a:prstGeom prst="rect">
+            <a:avLst/>
+          </a:prstGeom>
+        </p:spPr>
+      </p:pic>
+      <p:sp>
+        <p:nvSpPr>
+          <p:cNvPr id="12" name="Text Placeholder 1">
+            <a:extLst>
+              <a:ext uri="{FF2B5EF4-FFF2-40B4-BE49-F238E27FC236}">
+                <a16:creationId xmlns:a16="http://schemas.microsoft.com/office/drawing/2014/main" id="{A58E0E0F-8AE6-F6AF-EC7F-97F5C9CAAD7C}"/>
+              </a:ext>
+            </a:extLst>
+          </p:cNvPr>
+          <p:cNvSpPr txBox="1">
+            <a:spLocks/>
+          </p:cNvSpPr>
+          <p:nvPr/>
+        </p:nvSpPr>
+        <p:spPr>
+          <a:xfrm>
+            <a:off x="359999" y="3214256"/>
+            <a:ext cx="4436377" cy="1251424"/>
+          </a:xfrm>
+          <a:prstGeom prst="rect">
+            <a:avLst/>
+          </a:prstGeom>
+        </p:spPr>
+        <p:txBody>
+          <a:bodyPr vert="horz" lIns="91440" tIns="45720" rIns="91440" bIns="45720" rtlCol="0" anchor="t">
+            <a:noAutofit/>
+          </a:bodyPr>
+          <a:lstStyle>
+            <a:lvl1pPr marL="285750" indent="-285750" algn="l" defTabSz="914400" rtl="0" eaLnBrk="1" latinLnBrk="0" hangingPunct="1">
+              <a:lnSpc>
+                <a:spcPct val="100000"/>
+              </a:lnSpc>
+              <a:spcBef>
+                <a:spcPts val="1200"/>
+              </a:spcBef>
+              <a:buClr>
+                <a:schemeClr val="accent1"/>
+              </a:buClr>
+              <a:buSzPct val="125000"/>
+              <a:buFont typeface="Courier New" panose="02070309020205020404" pitchFamily="49" charset="0"/>
+              <a:buChar char="o"/>
+              <a:defRPr sz="1600" kern="1200">
+                <a:solidFill>
+                  <a:schemeClr val="tx1"/>
+                </a:solidFill>
+                <a:latin typeface="Arial" panose="020B0604020202020204" pitchFamily="34" charset="0"/>
+                <a:ea typeface="+mn-ea"/>
+                <a:cs typeface="Arial" panose="020B0604020202020204" pitchFamily="34" charset="0"/>
+              </a:defRPr>
+            </a:lvl1pPr>
+            <a:lvl2pPr marL="742950" indent="-285750" algn="l" defTabSz="914400" rtl="0" eaLnBrk="1" latinLnBrk="0" hangingPunct="1">
+              <a:lnSpc>
+                <a:spcPct val="100000"/>
+              </a:lnSpc>
+              <a:spcBef>
+                <a:spcPts val="1200"/>
+              </a:spcBef>
+              <a:buClr>
+                <a:schemeClr val="accent1"/>
+              </a:buClr>
+              <a:buSzPct val="125000"/>
+              <a:buFont typeface="Courier New" panose="02070309020205020404" pitchFamily="49" charset="0"/>
+              <a:buChar char="o"/>
+              <a:defRPr sz="1600" kern="1200">
+                <a:solidFill>
+                  <a:schemeClr val="tx1"/>
+                </a:solidFill>
+                <a:latin typeface="Arial" panose="020B0604020202020204" pitchFamily="34" charset="0"/>
+                <a:ea typeface="+mn-ea"/>
+                <a:cs typeface="Arial" panose="020B0604020202020204" pitchFamily="34" charset="0"/>
+              </a:defRPr>
+            </a:lvl2pPr>
+            <a:lvl3pPr marL="1143000" indent="-228600" algn="l" defTabSz="914400" rtl="0" eaLnBrk="1" latinLnBrk="0" hangingPunct="1">
+              <a:lnSpc>
+                <a:spcPct val="100000"/>
+              </a:lnSpc>
+              <a:spcBef>
+                <a:spcPts val="1200"/>
+              </a:spcBef>
+              <a:buClr>
+                <a:schemeClr val="accent1"/>
+              </a:buClr>
+              <a:buSzPct val="125000"/>
+              <a:buFont typeface="Courier New" panose="02070309020205020404" pitchFamily="49" charset="0"/>
+              <a:buChar char="o"/>
+              <a:defRPr sz="1400" kern="1200">
+                <a:solidFill>
+                  <a:schemeClr val="tx1"/>
+                </a:solidFill>
+                <a:latin typeface="Arial" panose="020B0604020202020204" pitchFamily="34" charset="0"/>
+                <a:ea typeface="+mn-ea"/>
+                <a:cs typeface="Arial" panose="020B0604020202020204" pitchFamily="34" charset="0"/>
+              </a:defRPr>
+            </a:lvl3pPr>
+            <a:lvl4pPr marL="1600200" indent="-228600" algn="l" defTabSz="914400" rtl="0" eaLnBrk="1" latinLnBrk="0" hangingPunct="1">
+              <a:lnSpc>
+                <a:spcPct val="100000"/>
+              </a:lnSpc>
+              <a:spcBef>
+                <a:spcPts val="1200"/>
+              </a:spcBef>
+              <a:buClr>
+                <a:schemeClr val="accent1"/>
+              </a:buClr>
+              <a:buSzPct val="125000"/>
+              <a:buFont typeface="Courier New" panose="02070309020205020404" pitchFamily="49" charset="0"/>
+              <a:buChar char="o"/>
+              <a:defRPr sz="1400" kern="1200">
+                <a:solidFill>
+                  <a:schemeClr val="tx1"/>
+                </a:solidFill>
+                <a:latin typeface="Arial" panose="020B0604020202020204" pitchFamily="34" charset="0"/>
+                <a:ea typeface="+mn-ea"/>
+                <a:cs typeface="Arial" panose="020B0604020202020204" pitchFamily="34" charset="0"/>
+              </a:defRPr>
+            </a:lvl4pPr>
+            <a:lvl5pPr marL="2057400" indent="-228600" algn="l" defTabSz="914400" rtl="0" eaLnBrk="1" latinLnBrk="0" hangingPunct="1">
+              <a:lnSpc>
+                <a:spcPct val="100000"/>
+              </a:lnSpc>
+              <a:spcBef>
+                <a:spcPts val="1200"/>
+              </a:spcBef>
+              <a:buClr>
+                <a:schemeClr val="accent1"/>
+              </a:buClr>
+              <a:buSzPct val="125000"/>
+              <a:buFont typeface="Courier New" panose="02070309020205020404" pitchFamily="49" charset="0"/>
+              <a:buChar char="o"/>
+              <a:defRPr sz="1400" kern="1200">
+                <a:solidFill>
+                  <a:schemeClr val="tx1"/>
+                </a:solidFill>
+                <a:latin typeface="Arial" panose="020B0604020202020204" pitchFamily="34" charset="0"/>
+                <a:ea typeface="+mn-ea"/>
+                <a:cs typeface="Arial" panose="020B0604020202020204" pitchFamily="34" charset="0"/>
+              </a:defRPr>
+            </a:lvl5pPr>
+            <a:lvl6pPr marL="2514600" indent="-228600" algn="l" defTabSz="914400" rtl="0" eaLnBrk="1" latinLnBrk="0" hangingPunct="1">
+              <a:spcBef>
+                <a:spcPct val="20000"/>
+              </a:spcBef>
+              <a:buFont typeface="Arial" panose="020B0604020202020204" pitchFamily="34" charset="0"/>
+              <a:buChar char="•"/>
+              <a:defRPr sz="2000" kern="1200">
+                <a:solidFill>
+                  <a:schemeClr val="tx1"/>
+                </a:solidFill>
+                <a:latin typeface="+mn-lt"/>
+                <a:ea typeface="+mn-ea"/>
+                <a:cs typeface="+mn-cs"/>
+              </a:defRPr>
+            </a:lvl6pPr>
+            <a:lvl7pPr marL="2971800" indent="-228600" algn="l" defTabSz="914400" rtl="0" eaLnBrk="1" latinLnBrk="0" hangingPunct="1">
+              <a:spcBef>
+                <a:spcPct val="20000"/>
+              </a:spcBef>
+              <a:buFont typeface="Arial" panose="020B0604020202020204" pitchFamily="34" charset="0"/>
+              <a:buChar char="•"/>
+              <a:defRPr sz="2000" kern="1200">
+                <a:solidFill>
+                  <a:schemeClr val="tx1"/>
+                </a:solidFill>
+                <a:latin typeface="+mn-lt"/>
+                <a:ea typeface="+mn-ea"/>
+                <a:cs typeface="+mn-cs"/>
+              </a:defRPr>
+            </a:lvl7pPr>
+            <a:lvl8pPr marL="3429000" indent="-228600" algn="l" defTabSz="914400" rtl="0" eaLnBrk="1" latinLnBrk="0" hangingPunct="1">
+              <a:spcBef>
+                <a:spcPct val="20000"/>
+              </a:spcBef>
+              <a:buFont typeface="Arial" panose="020B0604020202020204" pitchFamily="34" charset="0"/>
+              <a:buChar char="•"/>
+              <a:defRPr sz="2000" kern="1200">
+                <a:solidFill>
+                  <a:schemeClr val="tx1"/>
+                </a:solidFill>
+                <a:latin typeface="+mn-lt"/>
+                <a:ea typeface="+mn-ea"/>
+                <a:cs typeface="+mn-cs"/>
+              </a:defRPr>
+            </a:lvl8pPr>
+            <a:lvl9pPr marL="3886200" indent="-228600" algn="l" defTabSz="914400" rtl="0" eaLnBrk="1" latinLnBrk="0" hangingPunct="1">
+              <a:spcBef>
+                <a:spcPct val="20000"/>
+              </a:spcBef>
+              <a:buFont typeface="Arial" panose="020B0604020202020204" pitchFamily="34" charset="0"/>
+              <a:buChar char="•"/>
+              <a:defRPr sz="2000" kern="1200">
+                <a:solidFill>
+                  <a:schemeClr val="tx1"/>
+                </a:solidFill>
+                <a:latin typeface="+mn-lt"/>
+                <a:ea typeface="+mn-ea"/>
+                <a:cs typeface="+mn-cs"/>
+              </a:defRPr>
+            </a:lvl9pPr>
+          </a:lstStyle>
+          <a:p>
+            <a:r>
+              <a:rPr lang="en-CA" b="1" dirty="0"/>
+              <a:t>Performance</a:t>
+            </a:r>
+          </a:p>
+          <a:p>
+            <a:pPr lvl="1"/>
+            <a:r>
+              <a:rPr lang="en-CA" dirty="0"/>
+              <a:t>Slow processing time per document</a:t>
+            </a:r>
+          </a:p>
+          <a:p>
+            <a:pPr lvl="1"/>
+            <a:r>
+              <a:rPr lang="en-CA" dirty="0"/>
+              <a:t>No GPU and limited OCR options</a:t>
+            </a:r>
           </a:p>
         </p:txBody>
       </p:sp>
@@ -7244,8 +7583,8 @@
         </p:nvSpPr>
         <p:spPr>
           <a:xfrm>
-            <a:off x="360000" y="1800000"/>
-            <a:ext cx="7138080" cy="2916793"/>
+            <a:off x="360000" y="1800001"/>
+            <a:ext cx="7138080" cy="1415810"/>
           </a:xfrm>
         </p:spPr>
         <p:txBody>
@@ -7253,26 +7592,20 @@
           <a:lstStyle/>
           <a:p>
             <a:r>
-              <a:rPr lang="en-GB" dirty="0"/>
-              <a:t>Limited number of scanned document samples </a:t>
+              <a:rPr lang="en-CA" dirty="0"/>
+              <a:t>Collect more scanned documents for testing</a:t>
             </a:r>
           </a:p>
           <a:p>
             <a:r>
-              <a:rPr lang="en-GB" dirty="0"/>
-              <a:t>OCR accuracy not yet fully validated </a:t>
+              <a:rPr lang="en-CA" dirty="0"/>
+              <a:t>Measure OCR accuracy, processing time, and match rates</a:t>
             </a:r>
           </a:p>
           <a:p>
             <a:r>
-              <a:rPr lang="en-GB" dirty="0"/>
-              <a:t>Exact match between OCR text and HKMC names required </a:t>
-            </a:r>
-          </a:p>
-          <a:p>
-            <a:r>
-              <a:rPr lang="en-GB" dirty="0"/>
-              <a:t>Potential for false negatives if OCR has errors</a:t>
+              <a:rPr lang="en-CA" dirty="0"/>
+              <a:t>Evaluate faster or cloud-based OCR (if compliant)</a:t>
             </a:r>
           </a:p>
         </p:txBody>
@@ -7309,36 +7642,6 @@
       </p:sp>
       <p:sp>
         <p:nvSpPr>
-          <p:cNvPr id="4" name="Text Placeholder 3">
-            <a:extLst>
-              <a:ext uri="{FF2B5EF4-FFF2-40B4-BE49-F238E27FC236}">
-                <a16:creationId xmlns:a16="http://schemas.microsoft.com/office/drawing/2014/main" id="{4BDD5474-66E7-A3A1-78B3-2A7CBBFF9EBE}"/>
-              </a:ext>
-            </a:extLst>
-          </p:cNvPr>
-          <p:cNvSpPr>
-            <a:spLocks noGrp="1"/>
-          </p:cNvSpPr>
-          <p:nvPr>
-            <p:ph type="body" sz="quarter" idx="16"/>
-          </p:nvPr>
-        </p:nvSpPr>
-        <p:spPr>
-          <a:xfrm>
-            <a:off x="8141290" y="512207"/>
-            <a:ext cx="3600000" cy="2916793"/>
-          </a:xfrm>
-        </p:spPr>
-        <p:txBody>
-          <a:bodyPr/>
-          <a:lstStyle/>
-          <a:p>
-            <a:endParaRPr lang="en-GB" dirty="0"/>
-          </a:p>
-        </p:txBody>
-      </p:sp>
-      <p:sp>
-        <p:nvSpPr>
           <p:cNvPr id="5" name="Text Placeholder 4">
             <a:extLst>
               <a:ext uri="{FF2B5EF4-FFF2-40B4-BE49-F238E27FC236}">
@@ -7359,13 +7662,154 @@
           <a:lstStyle/>
           <a:p>
             <a:r>
-              <a:rPr lang="en-US" dirty="0"/>
-              <a:t>Current Limitations</a:t>
+              <a:rPr lang="en-CA" dirty="0"/>
+              <a:t>Next Steps</a:t>
             </a:r>
             <a:endParaRPr lang="en-GB" dirty="0"/>
           </a:p>
         </p:txBody>
       </p:sp>
+      <p:pic>
+        <p:nvPicPr>
+          <p:cNvPr id="1026" name="Picture 2" descr="Checklist - Free files and folders icons">
+            <a:extLst>
+              <a:ext uri="{FF2B5EF4-FFF2-40B4-BE49-F238E27FC236}">
+                <a16:creationId xmlns:a16="http://schemas.microsoft.com/office/drawing/2014/main" id="{1D787853-407A-0146-965E-400A9B87A594}"/>
+              </a:ext>
+            </a:extLst>
+          </p:cNvPr>
+          <p:cNvPicPr>
+            <a:picLocks noChangeAspect="1" noChangeArrowheads="1"/>
+          </p:cNvPicPr>
+          <p:nvPr/>
+        </p:nvPicPr>
+        <p:blipFill>
+          <a:blip r:embed="rId2">
+            <a:extLst>
+              <a:ext uri="{28A0092B-C50C-407E-A947-70E740481C1C}">
+                <a14:useLocalDpi xmlns:a14="http://schemas.microsoft.com/office/drawing/2010/main" val="0"/>
+              </a:ext>
+            </a:extLst>
+          </a:blip>
+          <a:srcRect/>
+          <a:stretch>
+            <a:fillRect/>
+          </a:stretch>
+        </p:blipFill>
+        <p:spPr bwMode="auto">
+          <a:xfrm>
+            <a:off x="616607" y="3809758"/>
+            <a:ext cx="1685158" cy="1685158"/>
+          </a:xfrm>
+          <a:prstGeom prst="rect">
+            <a:avLst/>
+          </a:prstGeom>
+          <a:noFill/>
+          <a:extLst>
+            <a:ext uri="{909E8E84-426E-40DD-AFC4-6F175D3DCCD1}">
+              <a14:hiddenFill xmlns:a14="http://schemas.microsoft.com/office/drawing/2010/main">
+                <a:solidFill>
+                  <a:srgbClr val="FFFFFF"/>
+                </a:solidFill>
+              </a14:hiddenFill>
+            </a:ext>
+          </a:extLst>
+        </p:spPr>
+      </p:pic>
+      <p:pic>
+        <p:nvPicPr>
+          <p:cNvPr id="1028" name="Picture 4" descr="Project-Based Timeline Lesson - TeachHUB">
+            <a:extLst>
+              <a:ext uri="{FF2B5EF4-FFF2-40B4-BE49-F238E27FC236}">
+                <a16:creationId xmlns:a16="http://schemas.microsoft.com/office/drawing/2014/main" id="{F6F7AFFC-B4A2-0B39-D239-C9FBB0B0F3DE}"/>
+              </a:ext>
+            </a:extLst>
+          </p:cNvPr>
+          <p:cNvPicPr>
+            <a:picLocks noChangeAspect="1" noChangeArrowheads="1"/>
+          </p:cNvPicPr>
+          <p:nvPr/>
+        </p:nvPicPr>
+        <p:blipFill>
+          <a:blip r:embed="rId3">
+            <a:extLst>
+              <a:ext uri="{28A0092B-C50C-407E-A947-70E740481C1C}">
+                <a14:useLocalDpi xmlns:a14="http://schemas.microsoft.com/office/drawing/2010/main" val="0"/>
+              </a:ext>
+            </a:extLst>
+          </a:blip>
+          <a:srcRect/>
+          <a:stretch>
+            <a:fillRect/>
+          </a:stretch>
+        </p:blipFill>
+        <p:spPr bwMode="auto">
+          <a:xfrm>
+            <a:off x="2666147" y="2951691"/>
+            <a:ext cx="3945780" cy="3048242"/>
+          </a:xfrm>
+          <a:prstGeom prst="rect">
+            <a:avLst/>
+          </a:prstGeom>
+          <a:noFill/>
+          <a:extLst>
+            <a:ext uri="{909E8E84-426E-40DD-AFC4-6F175D3DCCD1}">
+              <a14:hiddenFill xmlns:a14="http://schemas.microsoft.com/office/drawing/2010/main">
+                <a:solidFill>
+                  <a:srgbClr val="FFFFFF"/>
+                </a:solidFill>
+              </a14:hiddenFill>
+            </a:ext>
+          </a:extLst>
+        </p:spPr>
+      </p:pic>
+      <p:pic>
+        <p:nvPicPr>
+          <p:cNvPr id="1030" name="Picture 6" descr="What Is Project Milestone And How To Define It?">
+            <a:extLst>
+              <a:ext uri="{FF2B5EF4-FFF2-40B4-BE49-F238E27FC236}">
+                <a16:creationId xmlns:a16="http://schemas.microsoft.com/office/drawing/2014/main" id="{2760EC0B-31E7-793D-A696-FE24B6FF5BFE}"/>
+              </a:ext>
+            </a:extLst>
+          </p:cNvPr>
+          <p:cNvPicPr>
+            <a:picLocks noChangeAspect="1" noChangeArrowheads="1"/>
+          </p:cNvPicPr>
+          <p:nvPr/>
+        </p:nvPicPr>
+        <p:blipFill>
+          <a:blip r:embed="rId4">
+            <a:extLst>
+              <a:ext uri="{28A0092B-C50C-407E-A947-70E740481C1C}">
+                <a14:useLocalDpi xmlns:a14="http://schemas.microsoft.com/office/drawing/2010/main" val="0"/>
+              </a:ext>
+            </a:extLst>
+          </a:blip>
+          <a:srcRect/>
+          <a:stretch>
+            <a:fillRect/>
+          </a:stretch>
+        </p:blipFill>
+        <p:spPr bwMode="auto">
+          <a:xfrm>
+            <a:off x="5824386" y="3837719"/>
+            <a:ext cx="4212895" cy="1685158"/>
+          </a:xfrm>
+          <a:prstGeom prst="rect">
+            <a:avLst/>
+          </a:prstGeom>
+          <a:noFill/>
+          <a:extLst>
+            <a:ext uri="{909E8E84-426E-40DD-AFC4-6F175D3DCCD1}">
+              <a14:hiddenFill xmlns:a14="http://schemas.microsoft.com/office/drawing/2010/main">
+                <a:solidFill>
+                  <a:srgbClr val="FFFFFF"/>
+                </a:solidFill>
+              </a14:hiddenFill>
+            </a:ext>
+          </a:extLst>
+        </p:spPr>
+      </p:pic>
     </p:spTree>
     <p:extLst>
       <p:ext uri="{BB962C8B-B14F-4D97-AF65-F5344CB8AC3E}">
@@ -7401,7 +7845,7 @@
           <p:cNvPr id="2" name="Text Placeholder 1">
             <a:extLst>
               <a:ext uri="{FF2B5EF4-FFF2-40B4-BE49-F238E27FC236}">
-                <a16:creationId xmlns:a16="http://schemas.microsoft.com/office/drawing/2014/main" id="{D9C25ED4-A020-A061-E676-9B1EBD8CE688}"/>
+                <a16:creationId xmlns:a16="http://schemas.microsoft.com/office/drawing/2014/main" id="{EDF14101-9C45-B999-A22D-70E4D9203B97}"/>
               </a:ext>
             </a:extLst>
           </p:cNvPr>
@@ -7409,58 +7853,7 @@
             <a:spLocks noGrp="1"/>
           </p:cNvSpPr>
           <p:nvPr>
-            <p:ph type="body" sz="quarter" idx="12"/>
-          </p:nvPr>
-        </p:nvSpPr>
-        <p:spPr>
-          <a:xfrm>
-            <a:off x="360000" y="1800000"/>
-            <a:ext cx="6613294" cy="2916793"/>
-          </a:xfrm>
-        </p:spPr>
-        <p:txBody>
-          <a:bodyPr/>
-          <a:lstStyle/>
-          <a:p>
-            <a:r>
-              <a:rPr lang="en-GB" dirty="0"/>
-              <a:t>Slow processing time per document </a:t>
-            </a:r>
-          </a:p>
-          <a:p>
-            <a:r>
-              <a:rPr lang="en-GB" dirty="0"/>
-              <a:t>No GPU available for acceleration </a:t>
-            </a:r>
-          </a:p>
-          <a:p>
-            <a:r>
-              <a:rPr lang="en-GB" dirty="0"/>
-              <a:t>Chosen OCR library is slower than other options </a:t>
-            </a:r>
-          </a:p>
-          <a:p>
-            <a:r>
-              <a:rPr lang="en-GB" dirty="0"/>
-              <a:t>Faster OCR libraries cannot be installed due to laptop restrictions</a:t>
-            </a:r>
-          </a:p>
-        </p:txBody>
-      </p:sp>
-      <p:sp>
-        <p:nvSpPr>
-          <p:cNvPr id="3" name="Slide Number Placeholder 2">
-            <a:extLst>
-              <a:ext uri="{FF2B5EF4-FFF2-40B4-BE49-F238E27FC236}">
-                <a16:creationId xmlns:a16="http://schemas.microsoft.com/office/drawing/2014/main" id="{9E0DA009-B506-43A5-C307-8300D5E02171}"/>
-              </a:ext>
-            </a:extLst>
-          </p:cNvPr>
-          <p:cNvSpPr>
-            <a:spLocks noGrp="1"/>
-          </p:cNvSpPr>
-          <p:nvPr>
-            <p:ph type="sldNum" sz="quarter" idx="4"/>
+            <p:ph type="body" sz="quarter" idx="11"/>
           </p:nvPr>
         </p:nvSpPr>
         <p:spPr/>
@@ -7468,69 +7861,9 @@
           <a:bodyPr/>
           <a:lstStyle/>
           <a:p>
-            <a:fld id="{18A41853-EF22-D446-BDBC-A7CF3FE93503}" type="slidenum">
-              <a:rPr lang="en-US" smtClean="0"/>
-              <a:pPr/>
-              <a:t>7</a:t>
-            </a:fld>
-            <a:endParaRPr lang="en-US" dirty="0"/>
-          </a:p>
-        </p:txBody>
-      </p:sp>
-      <p:sp>
-        <p:nvSpPr>
-          <p:cNvPr id="4" name="Text Placeholder 3">
-            <a:extLst>
-              <a:ext uri="{FF2B5EF4-FFF2-40B4-BE49-F238E27FC236}">
-                <a16:creationId xmlns:a16="http://schemas.microsoft.com/office/drawing/2014/main" id="{2A52F27F-150E-9013-E447-5CBD0CF657C9}"/>
-              </a:ext>
-            </a:extLst>
-          </p:cNvPr>
-          <p:cNvSpPr>
-            <a:spLocks noGrp="1"/>
-          </p:cNvSpPr>
-          <p:nvPr>
-            <p:ph type="body" sz="quarter" idx="16"/>
-          </p:nvPr>
-        </p:nvSpPr>
-        <p:spPr>
-          <a:xfrm>
-            <a:off x="8165144" y="420279"/>
-            <a:ext cx="3600000" cy="2916793"/>
-          </a:xfrm>
-        </p:spPr>
-        <p:txBody>
-          <a:bodyPr/>
-          <a:lstStyle/>
-          <a:p>
-            <a:endParaRPr lang="en-GB" dirty="0"/>
-          </a:p>
-        </p:txBody>
-      </p:sp>
-      <p:sp>
-        <p:nvSpPr>
-          <p:cNvPr id="5" name="Text Placeholder 4">
-            <a:extLst>
-              <a:ext uri="{FF2B5EF4-FFF2-40B4-BE49-F238E27FC236}">
-                <a16:creationId xmlns:a16="http://schemas.microsoft.com/office/drawing/2014/main" id="{7F5E82EB-6F88-1254-3E7F-D5CAD49E042D}"/>
-              </a:ext>
-            </a:extLst>
-          </p:cNvPr>
-          <p:cNvSpPr>
-            <a:spLocks noGrp="1"/>
-          </p:cNvSpPr>
-          <p:nvPr>
-            <p:ph type="body" sz="quarter" idx="10"/>
-          </p:nvPr>
-        </p:nvSpPr>
-        <p:spPr/>
-        <p:txBody>
-          <a:bodyPr/>
-          <a:lstStyle/>
-          <a:p>
             <a:r>
               <a:rPr lang="en-US" dirty="0"/>
-              <a:t>OCR Performance Issues</a:t>
+              <a:t>Thank You</a:t>
             </a:r>
             <a:endParaRPr lang="en-GB" dirty="0"/>
           </a:p>
@@ -7539,383 +7872,7 @@
     </p:spTree>
     <p:extLst>
       <p:ext uri="{BB962C8B-B14F-4D97-AF65-F5344CB8AC3E}">
-        <p14:creationId xmlns:p14="http://schemas.microsoft.com/office/powerpoint/2010/main" val="1345240822"/>
-      </p:ext>
-    </p:extLst>
-  </p:cSld>
-  <p:clrMapOvr>
-    <a:masterClrMapping/>
-  </p:clrMapOvr>
-</p:sld>
-</file>
-
-<file path=ppt/slides/slide8.xml><?xml version="1.0" encoding="utf-8"?>
-<p:sld xmlns:a="http://schemas.openxmlformats.org/drawingml/2006/main" xmlns:r="http://schemas.openxmlformats.org/officeDocument/2006/relationships" xmlns:p="http://schemas.openxmlformats.org/presentationml/2006/main">
-  <p:cSld>
-    <p:spTree>
-      <p:nvGrpSpPr>
-        <p:cNvPr id="1" name=""/>
-        <p:cNvGrpSpPr/>
-        <p:nvPr/>
-      </p:nvGrpSpPr>
-      <p:grpSpPr>
-        <a:xfrm>
-          <a:off x="0" y="0"/>
-          <a:ext cx="0" cy="0"/>
-          <a:chOff x="0" y="0"/>
-          <a:chExt cx="0" cy="0"/>
-        </a:xfrm>
-      </p:grpSpPr>
-      <p:sp>
-        <p:nvSpPr>
-          <p:cNvPr id="2" name="Text Placeholder 1">
-            <a:extLst>
-              <a:ext uri="{FF2B5EF4-FFF2-40B4-BE49-F238E27FC236}">
-                <a16:creationId xmlns:a16="http://schemas.microsoft.com/office/drawing/2014/main" id="{F6C45A9E-6B10-E2F8-6D8F-DF58B6C9BEE1}"/>
-              </a:ext>
-            </a:extLst>
-          </p:cNvPr>
-          <p:cNvSpPr>
-            <a:spLocks noGrp="1"/>
-          </p:cNvSpPr>
-          <p:nvPr>
-            <p:ph type="body" sz="quarter" idx="12"/>
-          </p:nvPr>
-        </p:nvSpPr>
-        <p:spPr>
-          <a:xfrm>
-            <a:off x="360000" y="1800000"/>
-            <a:ext cx="7225544" cy="2916793"/>
-          </a:xfrm>
-        </p:spPr>
-        <p:txBody>
-          <a:bodyPr/>
-          <a:lstStyle/>
-          <a:p>
-            <a:r>
-              <a:rPr lang="en-GB" dirty="0"/>
-              <a:t>A “True” match is reliable unless an unregistered doctor shares the exact same name </a:t>
-            </a:r>
-          </a:p>
-          <a:p>
-            <a:r>
-              <a:rPr lang="en-GB" dirty="0"/>
-              <a:t>OCR errors may cause missed matches (“False negatives”) </a:t>
-            </a:r>
-          </a:p>
-          <a:p>
-            <a:r>
-              <a:rPr lang="en-GB" dirty="0"/>
-              <a:t>More document samples needed to evaluate accuracy</a:t>
-            </a:r>
-          </a:p>
-        </p:txBody>
-      </p:sp>
-      <p:sp>
-        <p:nvSpPr>
-          <p:cNvPr id="3" name="Slide Number Placeholder 2">
-            <a:extLst>
-              <a:ext uri="{FF2B5EF4-FFF2-40B4-BE49-F238E27FC236}">
-                <a16:creationId xmlns:a16="http://schemas.microsoft.com/office/drawing/2014/main" id="{F54B4DB8-4779-EC49-463A-620771C6D0C6}"/>
-              </a:ext>
-            </a:extLst>
-          </p:cNvPr>
-          <p:cNvSpPr>
-            <a:spLocks noGrp="1"/>
-          </p:cNvSpPr>
-          <p:nvPr>
-            <p:ph type="sldNum" sz="quarter" idx="4"/>
-          </p:nvPr>
-        </p:nvSpPr>
-        <p:spPr/>
-        <p:txBody>
-          <a:bodyPr/>
-          <a:lstStyle/>
-          <a:p>
-            <a:fld id="{18A41853-EF22-D446-BDBC-A7CF3FE93503}" type="slidenum">
-              <a:rPr lang="en-US" smtClean="0"/>
-              <a:pPr/>
-              <a:t>8</a:t>
-            </a:fld>
-            <a:endParaRPr lang="en-US" dirty="0"/>
-          </a:p>
-        </p:txBody>
-      </p:sp>
-      <p:sp>
-        <p:nvSpPr>
-          <p:cNvPr id="4" name="Text Placeholder 3">
-            <a:extLst>
-              <a:ext uri="{FF2B5EF4-FFF2-40B4-BE49-F238E27FC236}">
-                <a16:creationId xmlns:a16="http://schemas.microsoft.com/office/drawing/2014/main" id="{F06B69DE-0C28-CC18-F3D1-855B686F1CC8}"/>
-              </a:ext>
-            </a:extLst>
-          </p:cNvPr>
-          <p:cNvSpPr>
-            <a:spLocks noGrp="1"/>
-          </p:cNvSpPr>
-          <p:nvPr>
-            <p:ph type="body" sz="quarter" idx="16"/>
-          </p:nvPr>
-        </p:nvSpPr>
-        <p:spPr>
-          <a:xfrm>
-            <a:off x="8125388" y="420279"/>
-            <a:ext cx="3600000" cy="2916793"/>
-          </a:xfrm>
-        </p:spPr>
-        <p:txBody>
-          <a:bodyPr/>
-          <a:lstStyle/>
-          <a:p>
-            <a:endParaRPr lang="en-GB" dirty="0"/>
-          </a:p>
-        </p:txBody>
-      </p:sp>
-      <p:sp>
-        <p:nvSpPr>
-          <p:cNvPr id="5" name="Text Placeholder 4">
-            <a:extLst>
-              <a:ext uri="{FF2B5EF4-FFF2-40B4-BE49-F238E27FC236}">
-                <a16:creationId xmlns:a16="http://schemas.microsoft.com/office/drawing/2014/main" id="{0E113549-1593-4DE8-F534-9882558E0E9C}"/>
-              </a:ext>
-            </a:extLst>
-          </p:cNvPr>
-          <p:cNvSpPr>
-            <a:spLocks noGrp="1"/>
-          </p:cNvSpPr>
-          <p:nvPr>
-            <p:ph type="body" sz="quarter" idx="10"/>
-          </p:nvPr>
-        </p:nvSpPr>
-        <p:spPr/>
-        <p:txBody>
-          <a:bodyPr/>
-          <a:lstStyle/>
-          <a:p>
-            <a:r>
-              <a:rPr lang="en-US" dirty="0"/>
-              <a:t>Reliability Considerations</a:t>
-            </a:r>
-            <a:endParaRPr lang="en-GB" dirty="0"/>
-          </a:p>
-        </p:txBody>
-      </p:sp>
-    </p:spTree>
-    <p:extLst>
-      <p:ext uri="{BB962C8B-B14F-4D97-AF65-F5344CB8AC3E}">
-        <p14:creationId xmlns:p14="http://schemas.microsoft.com/office/powerpoint/2010/main" val="3234772227"/>
-      </p:ext>
-    </p:extLst>
-  </p:cSld>
-  <p:clrMapOvr>
-    <a:masterClrMapping/>
-  </p:clrMapOvr>
-</p:sld>
-</file>
-
-<file path=ppt/slides/slide9.xml><?xml version="1.0" encoding="utf-8"?>
-<p:sld xmlns:a="http://schemas.openxmlformats.org/drawingml/2006/main" xmlns:r="http://schemas.openxmlformats.org/officeDocument/2006/relationships" xmlns:p="http://schemas.openxmlformats.org/presentationml/2006/main">
-  <p:cSld>
-    <p:spTree>
-      <p:nvGrpSpPr>
-        <p:cNvPr id="1" name=""/>
-        <p:cNvGrpSpPr/>
-        <p:nvPr/>
-      </p:nvGrpSpPr>
-      <p:grpSpPr>
-        <a:xfrm>
-          <a:off x="0" y="0"/>
-          <a:ext cx="0" cy="0"/>
-          <a:chOff x="0" y="0"/>
-          <a:chExt cx="0" cy="0"/>
-        </a:xfrm>
-      </p:grpSpPr>
-      <p:sp>
-        <p:nvSpPr>
-          <p:cNvPr id="2" name="Text Placeholder 1">
-            <a:extLst>
-              <a:ext uri="{FF2B5EF4-FFF2-40B4-BE49-F238E27FC236}">
-                <a16:creationId xmlns:a16="http://schemas.microsoft.com/office/drawing/2014/main" id="{CE736F71-067F-0BB8-1027-B0691E28CDF7}"/>
-              </a:ext>
-            </a:extLst>
-          </p:cNvPr>
-          <p:cNvSpPr>
-            <a:spLocks noGrp="1"/>
-          </p:cNvSpPr>
-          <p:nvPr>
-            <p:ph type="body" sz="quarter" idx="12"/>
-          </p:nvPr>
-        </p:nvSpPr>
-        <p:spPr>
-          <a:xfrm>
-            <a:off x="360000" y="1800000"/>
-            <a:ext cx="7560000" cy="2916793"/>
-          </a:xfrm>
-        </p:spPr>
-        <p:txBody>
-          <a:bodyPr/>
-          <a:lstStyle/>
-          <a:p>
-            <a:r>
-              <a:rPr lang="en-GB" dirty="0"/>
-              <a:t>To properly evaluate the system:</a:t>
-            </a:r>
-          </a:p>
-          <a:p>
-            <a:pPr marL="800100" lvl="1" indent="-342900">
-              <a:buFont typeface="+mj-lt"/>
-              <a:buAutoNum type="arabicPeriod"/>
-            </a:pPr>
-            <a:r>
-              <a:rPr lang="en-GB" dirty="0"/>
-              <a:t>Need more scanned documents for accuracy testing </a:t>
-            </a:r>
-          </a:p>
-          <a:p>
-            <a:pPr marL="800100" lvl="1" indent="-342900">
-              <a:buFont typeface="+mj-lt"/>
-              <a:buAutoNum type="arabicPeriod"/>
-            </a:pPr>
-            <a:r>
-              <a:rPr lang="en-GB" dirty="0"/>
-              <a:t>Need to measure: </a:t>
-            </a:r>
-          </a:p>
-          <a:p>
-            <a:pPr lvl="2">
-              <a:buFont typeface="Arial" panose="020B0604020202020204" pitchFamily="34" charset="0"/>
-              <a:buChar char="•"/>
-            </a:pPr>
-            <a:r>
-              <a:rPr lang="en-GB" dirty="0"/>
-              <a:t>OCR extraction accuracy </a:t>
-            </a:r>
-          </a:p>
-          <a:p>
-            <a:pPr lvl="2">
-              <a:buFont typeface="Arial" panose="020B0604020202020204" pitchFamily="34" charset="0"/>
-              <a:buChar char="•"/>
-            </a:pPr>
-            <a:r>
-              <a:rPr lang="en-GB" dirty="0"/>
-              <a:t>Processing time </a:t>
-            </a:r>
-          </a:p>
-          <a:p>
-            <a:pPr lvl="2">
-              <a:buFont typeface="Arial" panose="020B0604020202020204" pitchFamily="34" charset="0"/>
-              <a:buChar char="•"/>
-            </a:pPr>
-            <a:r>
-              <a:rPr lang="en-GB" dirty="0"/>
-              <a:t>Rate of correct matches </a:t>
-            </a:r>
-          </a:p>
-          <a:p>
-            <a:pPr lvl="2">
-              <a:buFont typeface="Arial" panose="020B0604020202020204" pitchFamily="34" charset="0"/>
-              <a:buChar char="•"/>
-            </a:pPr>
-            <a:r>
-              <a:rPr lang="en-GB" dirty="0"/>
-              <a:t>Rate of false negatives</a:t>
-            </a:r>
-          </a:p>
-        </p:txBody>
-      </p:sp>
-      <p:sp>
-        <p:nvSpPr>
-          <p:cNvPr id="3" name="Slide Number Placeholder 2">
-            <a:extLst>
-              <a:ext uri="{FF2B5EF4-FFF2-40B4-BE49-F238E27FC236}">
-                <a16:creationId xmlns:a16="http://schemas.microsoft.com/office/drawing/2014/main" id="{037A8B0F-5CC5-5E40-3D41-3550937D5F62}"/>
-              </a:ext>
-            </a:extLst>
-          </p:cNvPr>
-          <p:cNvSpPr>
-            <a:spLocks noGrp="1"/>
-          </p:cNvSpPr>
-          <p:nvPr>
-            <p:ph type="sldNum" sz="quarter" idx="4"/>
-          </p:nvPr>
-        </p:nvSpPr>
-        <p:spPr/>
-        <p:txBody>
-          <a:bodyPr/>
-          <a:lstStyle/>
-          <a:p>
-            <a:fld id="{18A41853-EF22-D446-BDBC-A7CF3FE93503}" type="slidenum">
-              <a:rPr lang="en-US" smtClean="0"/>
-              <a:pPr/>
-              <a:t>9</a:t>
-            </a:fld>
-            <a:endParaRPr lang="en-US" dirty="0"/>
-          </a:p>
-        </p:txBody>
-      </p:sp>
-      <p:sp>
-        <p:nvSpPr>
-          <p:cNvPr id="4" name="Text Placeholder 3">
-            <a:extLst>
-              <a:ext uri="{FF2B5EF4-FFF2-40B4-BE49-F238E27FC236}">
-                <a16:creationId xmlns:a16="http://schemas.microsoft.com/office/drawing/2014/main" id="{945476AD-B222-75C1-B9C9-E5D5D1EFFFDD}"/>
-              </a:ext>
-            </a:extLst>
-          </p:cNvPr>
-          <p:cNvSpPr>
-            <a:spLocks noGrp="1"/>
-          </p:cNvSpPr>
-          <p:nvPr>
-            <p:ph type="body" sz="quarter" idx="16"/>
-          </p:nvPr>
-        </p:nvSpPr>
-        <p:spPr>
-          <a:xfrm>
-            <a:off x="8363927" y="344608"/>
-            <a:ext cx="3600000" cy="2916793"/>
-          </a:xfrm>
-        </p:spPr>
-        <p:txBody>
-          <a:bodyPr/>
-          <a:lstStyle/>
-          <a:p>
-            <a:endParaRPr lang="en-GB" dirty="0"/>
-          </a:p>
-        </p:txBody>
-      </p:sp>
-      <p:sp>
-        <p:nvSpPr>
-          <p:cNvPr id="5" name="Text Placeholder 4">
-            <a:extLst>
-              <a:ext uri="{FF2B5EF4-FFF2-40B4-BE49-F238E27FC236}">
-                <a16:creationId xmlns:a16="http://schemas.microsoft.com/office/drawing/2014/main" id="{4881CB26-D427-7A32-E717-5FF47AE315B4}"/>
-              </a:ext>
-            </a:extLst>
-          </p:cNvPr>
-          <p:cNvSpPr>
-            <a:spLocks noGrp="1"/>
-          </p:cNvSpPr>
-          <p:nvPr>
-            <p:ph type="body" sz="quarter" idx="10"/>
-          </p:nvPr>
-        </p:nvSpPr>
-        <p:spPr/>
-        <p:txBody>
-          <a:bodyPr/>
-          <a:lstStyle/>
-          <a:p>
-            <a:r>
-              <a:rPr lang="en-US" dirty="0"/>
-              <a:t>Testing Requirements</a:t>
-            </a:r>
-            <a:endParaRPr lang="en-GB" dirty="0"/>
-          </a:p>
-        </p:txBody>
-      </p:sp>
-    </p:spTree>
-    <p:extLst>
-      <p:ext uri="{BB962C8B-B14F-4D97-AF65-F5344CB8AC3E}">
-        <p14:creationId xmlns:p14="http://schemas.microsoft.com/office/powerpoint/2010/main" val="2312864585"/>
+        <p14:creationId xmlns:p14="http://schemas.microsoft.com/office/powerpoint/2010/main" val="2641947515"/>
       </p:ext>
     </p:extLst>
   </p:cSld>

--- a/powerpoint/automate_doctor_checking-draft.pptx
+++ b/powerpoint/automate_doctor_checking-draft.pptx
@@ -386,7 +386,7 @@
           <a:p>
             <a:fld id="{BFECA36D-3A4E-49AB-8998-33E386CC9347}" type="datetimeFigureOut">
               <a:rPr lang="en-US" smtClean="0"/>
-              <a:t>2/2/26</a:t>
+              <a:t>2/2/2026</a:t>
             </a:fld>
             <a:endParaRPr lang="en-US"/>
           </a:p>
@@ -6225,7 +6225,7 @@
           <p:nvPr/>
         </p:nvPicPr>
         <p:blipFill>
-          <a:blip r:embed="rId2">
+          <a:blip r:embed="rId2" cstate="print">
             <a:extLst>
               <a:ext uri="{28A0092B-C50C-407E-A947-70E740481C1C}">
                 <a14:useLocalDpi xmlns:a14="http://schemas.microsoft.com/office/drawing/2010/main" val="0"/>
@@ -6238,8 +6238,8 @@
         </p:blipFill>
         <p:spPr>
           <a:xfrm>
-            <a:off x="3084605" y="3823184"/>
-            <a:ext cx="4136771" cy="1338676"/>
+            <a:off x="2900284" y="3838862"/>
+            <a:ext cx="4594358" cy="1486753"/>
           </a:xfrm>
           <a:prstGeom prst="rect">
             <a:avLst/>
@@ -6261,7 +6261,7 @@
           <p:nvPr/>
         </p:nvPicPr>
         <p:blipFill>
-          <a:blip r:embed="rId3">
+          <a:blip r:embed="rId3" cstate="print">
             <a:extLst>
               <a:ext uri="{28A0092B-C50C-407E-A947-70E740481C1C}">
                 <a14:useLocalDpi xmlns:a14="http://schemas.microsoft.com/office/drawing/2010/main" val="0"/>
@@ -6274,7 +6274,7 @@
         </p:blipFill>
         <p:spPr>
           <a:xfrm>
-            <a:off x="8066501" y="3494644"/>
+            <a:off x="8025481" y="3494644"/>
             <a:ext cx="2203646" cy="1995755"/>
           </a:xfrm>
           <a:prstGeom prst="rect">
@@ -6296,7 +6296,7 @@
         </p:nvSpPr>
         <p:spPr>
           <a:xfrm>
-            <a:off x="2208435" y="4326766"/>
+            <a:off x="2208435" y="4416484"/>
             <a:ext cx="691849" cy="331512"/>
           </a:xfrm>
           <a:prstGeom prst="rightArrow">
@@ -6345,7 +6345,7 @@
         </p:nvSpPr>
         <p:spPr>
           <a:xfrm>
-            <a:off x="7333632" y="4326766"/>
+            <a:off x="7494642" y="4416484"/>
             <a:ext cx="691849" cy="331512"/>
           </a:xfrm>
           <a:prstGeom prst="rightArrow">
@@ -6395,7 +6395,7 @@
           <p:nvPr/>
         </p:nvPicPr>
         <p:blipFill>
-          <a:blip r:embed="rId4">
+          <a:blip r:embed="rId4" cstate="print">
             <a:extLst>
               <a:ext uri="{28A0092B-C50C-407E-A947-70E740481C1C}">
                 <a14:useLocalDpi xmlns:a14="http://schemas.microsoft.com/office/drawing/2010/main" val="0"/>
@@ -6408,7 +6408,7 @@
         </p:blipFill>
         <p:spPr>
           <a:xfrm>
-            <a:off x="359999" y="3838864"/>
+            <a:off x="334040" y="3922228"/>
             <a:ext cx="1807416" cy="1320023"/>
           </a:xfrm>
           <a:prstGeom prst="rect">
@@ -6602,7 +6602,7 @@
           <p:nvPr/>
         </p:nvPicPr>
         <p:blipFill>
-          <a:blip r:embed="rId3">
+          <a:blip r:embed="rId3" cstate="print">
             <a:extLst>
               <a:ext uri="{28A0092B-C50C-407E-A947-70E740481C1C}">
                 <a14:useLocalDpi xmlns:a14="http://schemas.microsoft.com/office/drawing/2010/main" val="0"/>
@@ -6832,7 +6832,7 @@
           <p:nvPr/>
         </p:nvPicPr>
         <p:blipFill>
-          <a:blip r:embed="rId2">
+          <a:blip r:embed="rId2" cstate="print">
             <a:extLst>
               <a:ext uri="{28A0092B-C50C-407E-A947-70E740481C1C}">
                 <a14:useLocalDpi xmlns:a14="http://schemas.microsoft.com/office/drawing/2010/main" val="0"/>
@@ -6879,7 +6879,7 @@
           <p:nvPr/>
         </p:nvPicPr>
         <p:blipFill>
-          <a:blip r:embed="rId3">
+          <a:blip r:embed="rId3" cstate="print">
             <a:extLst>
               <a:ext uri="{28A0092B-C50C-407E-A947-70E740481C1C}">
                 <a14:useLocalDpi xmlns:a14="http://schemas.microsoft.com/office/drawing/2010/main" val="0"/>
@@ -6914,7 +6914,7 @@
         </p:nvSpPr>
         <p:spPr>
           <a:xfrm>
-            <a:off x="6351389" y="4701858"/>
+            <a:off x="6314238" y="4774107"/>
             <a:ext cx="1150705" cy="276447"/>
           </a:xfrm>
           <a:prstGeom prst="leftRightArrow">
@@ -6963,7 +6963,7 @@
         </p:nvSpPr>
         <p:spPr>
           <a:xfrm rot="2935885">
-            <a:off x="7335748" y="3236280"/>
+            <a:off x="7263829" y="3222195"/>
             <a:ext cx="1150705" cy="276447"/>
           </a:xfrm>
           <a:prstGeom prst="leftRightArrow">
@@ -7012,7 +7012,7 @@
         </p:nvSpPr>
         <p:spPr>
           <a:xfrm rot="18477443">
-            <a:off x="5364648" y="3236281"/>
+            <a:off x="5364648" y="3236282"/>
             <a:ext cx="1150705" cy="276447"/>
           </a:xfrm>
           <a:prstGeom prst="leftRightArrow">
@@ -7062,7 +7062,7 @@
           <p:nvPr/>
         </p:nvPicPr>
         <p:blipFill>
-          <a:blip r:embed="rId4">
+          <a:blip r:embed="rId4" cstate="print">
             <a:extLst>
               <a:ext uri="{28A0092B-C50C-407E-A947-70E740481C1C}">
                 <a14:useLocalDpi xmlns:a14="http://schemas.microsoft.com/office/drawing/2010/main" val="0"/>
@@ -7260,7 +7260,7 @@
         </p:blipFill>
         <p:spPr bwMode="auto">
           <a:xfrm>
-            <a:off x="4929351" y="3429000"/>
+            <a:off x="5442698" y="3436362"/>
             <a:ext cx="2021298" cy="2021298"/>
           </a:xfrm>
           <a:prstGeom prst="rect">
@@ -7293,7 +7293,7 @@
           <p:nvPr/>
         </p:nvPicPr>
         <p:blipFill>
-          <a:blip r:embed="rId3">
+          <a:blip r:embed="rId3" cstate="print">
             <a:extLst>
               <a:ext uri="{28A0092B-C50C-407E-A947-70E740481C1C}">
                 <a14:useLocalDpi xmlns:a14="http://schemas.microsoft.com/office/drawing/2010/main" val="0"/>
@@ -7306,7 +7306,7 @@
         </p:blipFill>
         <p:spPr>
           <a:xfrm>
-            <a:off x="7190143" y="1655112"/>
+            <a:off x="7005658" y="1727556"/>
             <a:ext cx="1396313" cy="1396313"/>
           </a:xfrm>
           <a:prstGeom prst="rect">
@@ -7684,7 +7684,7 @@
           <p:nvPr/>
         </p:nvPicPr>
         <p:blipFill>
-          <a:blip r:embed="rId2">
+          <a:blip r:embed="rId2" cstate="print">
             <a:extLst>
               <a:ext uri="{28A0092B-C50C-407E-A947-70E740481C1C}">
                 <a14:useLocalDpi xmlns:a14="http://schemas.microsoft.com/office/drawing/2010/main" val="0"/>
@@ -7731,7 +7731,7 @@
           <p:nvPr/>
         </p:nvPicPr>
         <p:blipFill>
-          <a:blip r:embed="rId3">
+          <a:blip r:embed="rId3" cstate="print">
             <a:extLst>
               <a:ext uri="{28A0092B-C50C-407E-A947-70E740481C1C}">
                 <a14:useLocalDpi xmlns:a14="http://schemas.microsoft.com/office/drawing/2010/main" val="0"/>

--- a/powerpoint/automate_doctor_checking-draft.pptx
+++ b/powerpoint/automate_doctor_checking-draft.pptx
@@ -5,19 +5,20 @@
     <p:sldMasterId id="2147483648" r:id="rId1"/>
   </p:sldMasterIdLst>
   <p:notesMasterIdLst>
-    <p:notesMasterId r:id="rId9"/>
+    <p:notesMasterId r:id="rId10"/>
   </p:notesMasterIdLst>
   <p:handoutMasterIdLst>
-    <p:handoutMasterId r:id="rId10"/>
+    <p:handoutMasterId r:id="rId11"/>
   </p:handoutMasterIdLst>
   <p:sldIdLst>
     <p:sldId id="256" r:id="rId2"/>
     <p:sldId id="257" r:id="rId3"/>
     <p:sldId id="258" r:id="rId4"/>
-    <p:sldId id="259" r:id="rId5"/>
-    <p:sldId id="260" r:id="rId6"/>
-    <p:sldId id="261" r:id="rId7"/>
-    <p:sldId id="267" r:id="rId8"/>
+    <p:sldId id="268" r:id="rId5"/>
+    <p:sldId id="259" r:id="rId6"/>
+    <p:sldId id="260" r:id="rId7"/>
+    <p:sldId id="261" r:id="rId8"/>
+    <p:sldId id="267" r:id="rId9"/>
   </p:sldIdLst>
   <p:sldSz cx="12192000" cy="6858000"/>
   <p:notesSz cx="6858000" cy="9144000"/>
@@ -220,7 +221,7 @@
           <a:p>
             <a:fld id="{C3218ECE-A34A-49B3-9686-CAB705FE9FAE}" type="datetimeFigureOut">
               <a:rPr lang="en-GB" smtClean="0"/>
-              <a:t>02/02/2026</a:t>
+              <a:t>03/02/2026</a:t>
             </a:fld>
             <a:endParaRPr lang="en-GB"/>
           </a:p>
@@ -386,7 +387,7 @@
           <a:p>
             <a:fld id="{BFECA36D-3A4E-49AB-8998-33E386CC9347}" type="datetimeFigureOut">
               <a:rPr lang="en-US" smtClean="0"/>
-              <a:t>2/2/2026</a:t>
+              <a:t>2/3/2026</a:t>
             </a:fld>
             <a:endParaRPr lang="en-US"/>
           </a:p>
@@ -6139,7 +6140,7 @@
           <a:p>
             <a:r>
               <a:rPr lang="en-CA" dirty="0"/>
-              <a:t>Manual checks via HKMC are slow and inconsistent</a:t>
+              <a:t>Manual checks via HKMC are slow</a:t>
             </a:r>
           </a:p>
           <a:p>
@@ -6464,31 +6465,21 @@
         </p:nvSpPr>
         <p:spPr>
           <a:xfrm>
-            <a:off x="359999" y="1800000"/>
-            <a:ext cx="6621245" cy="2916793"/>
+            <a:off x="360000" y="1236752"/>
+            <a:ext cx="5350896" cy="424354"/>
           </a:xfrm>
         </p:spPr>
         <p:txBody>
           <a:bodyPr/>
           <a:lstStyle/>
           <a:p>
+            <a:pPr marL="0" indent="0">
+              <a:buNone/>
+            </a:pPr>
             <a:r>
-              <a:rPr lang="en-CA" dirty="0"/>
-              <a:t>OCR extracts doctor names from scanned documents</a:t>
+              <a:rPr lang="en-CA" sz="1500" dirty="0"/>
+              <a:t>1. Fetch all registered doctor from MCHK and store it locally</a:t>
             </a:r>
-          </a:p>
-          <a:p>
-            <a:r>
-              <a:rPr lang="en-CA" dirty="0"/>
-              <a:t>Names are matched against HKMC registered doctor list</a:t>
-            </a:r>
-          </a:p>
-          <a:p>
-            <a:r>
-              <a:rPr lang="en-CA" dirty="0"/>
-              <a:t>Results exported for audit and analytics</a:t>
-            </a:r>
-            <a:endParaRPr lang="en-GB" dirty="0"/>
           </a:p>
         </p:txBody>
       </p:sp>
@@ -6538,7 +6529,12 @@
             <p:ph type="body" sz="quarter" idx="10"/>
           </p:nvPr>
         </p:nvSpPr>
-        <p:spPr/>
+        <p:spPr>
+          <a:xfrm>
+            <a:off x="360000" y="540000"/>
+            <a:ext cx="11160000" cy="607011"/>
+          </a:xfrm>
+        </p:spPr>
         <p:txBody>
           <a:bodyPr/>
           <a:lstStyle/>
@@ -6551,12 +6547,222 @@
           </a:p>
         </p:txBody>
       </p:sp>
+      <p:sp>
+        <p:nvSpPr>
+          <p:cNvPr id="4" name="Text Placeholder 1">
+            <a:extLst>
+              <a:ext uri="{FF2B5EF4-FFF2-40B4-BE49-F238E27FC236}">
+                <a16:creationId xmlns:a16="http://schemas.microsoft.com/office/drawing/2014/main" id="{30A9508F-4BD1-2A9B-BC27-FD9D58778DFC}"/>
+              </a:ext>
+            </a:extLst>
+          </p:cNvPr>
+          <p:cNvSpPr txBox="1">
+            <a:spLocks/>
+          </p:cNvSpPr>
+          <p:nvPr/>
+        </p:nvSpPr>
+        <p:spPr>
+          <a:xfrm>
+            <a:off x="6096000" y="1238262"/>
+            <a:ext cx="5526600" cy="350256"/>
+          </a:xfrm>
+          <a:prstGeom prst="rect">
+            <a:avLst/>
+          </a:prstGeom>
+        </p:spPr>
+        <p:txBody>
+          <a:bodyPr vert="horz" lIns="91440" tIns="45720" rIns="91440" bIns="45720" rtlCol="0" anchor="t">
+            <a:noAutofit/>
+          </a:bodyPr>
+          <a:lstStyle>
+            <a:lvl1pPr marL="285750" indent="-285750" algn="l" defTabSz="914400" rtl="0" eaLnBrk="1" latinLnBrk="0" hangingPunct="1">
+              <a:lnSpc>
+                <a:spcPct val="100000"/>
+              </a:lnSpc>
+              <a:spcBef>
+                <a:spcPts val="1200"/>
+              </a:spcBef>
+              <a:buClr>
+                <a:schemeClr val="accent1"/>
+              </a:buClr>
+              <a:buSzPct val="125000"/>
+              <a:buFont typeface="Courier New" panose="02070309020205020404" pitchFamily="49" charset="0"/>
+              <a:buChar char="o"/>
+              <a:defRPr sz="1600" kern="1200">
+                <a:solidFill>
+                  <a:schemeClr val="tx1"/>
+                </a:solidFill>
+                <a:latin typeface="Arial" panose="020B0604020202020204" pitchFamily="34" charset="0"/>
+                <a:ea typeface="+mn-ea"/>
+                <a:cs typeface="Arial" panose="020B0604020202020204" pitchFamily="34" charset="0"/>
+              </a:defRPr>
+            </a:lvl1pPr>
+            <a:lvl2pPr marL="742950" indent="-285750" algn="l" defTabSz="914400" rtl="0" eaLnBrk="1" latinLnBrk="0" hangingPunct="1">
+              <a:lnSpc>
+                <a:spcPct val="100000"/>
+              </a:lnSpc>
+              <a:spcBef>
+                <a:spcPts val="1200"/>
+              </a:spcBef>
+              <a:buClr>
+                <a:schemeClr val="accent1"/>
+              </a:buClr>
+              <a:buSzPct val="125000"/>
+              <a:buFont typeface="Courier New" panose="02070309020205020404" pitchFamily="49" charset="0"/>
+              <a:buChar char="o"/>
+              <a:defRPr sz="1600" kern="1200">
+                <a:solidFill>
+                  <a:schemeClr val="tx1"/>
+                </a:solidFill>
+                <a:latin typeface="Arial" panose="020B0604020202020204" pitchFamily="34" charset="0"/>
+                <a:ea typeface="+mn-ea"/>
+                <a:cs typeface="Arial" panose="020B0604020202020204" pitchFamily="34" charset="0"/>
+              </a:defRPr>
+            </a:lvl2pPr>
+            <a:lvl3pPr marL="1143000" indent="-228600" algn="l" defTabSz="914400" rtl="0" eaLnBrk="1" latinLnBrk="0" hangingPunct="1">
+              <a:lnSpc>
+                <a:spcPct val="100000"/>
+              </a:lnSpc>
+              <a:spcBef>
+                <a:spcPts val="1200"/>
+              </a:spcBef>
+              <a:buClr>
+                <a:schemeClr val="accent1"/>
+              </a:buClr>
+              <a:buSzPct val="125000"/>
+              <a:buFont typeface="Courier New" panose="02070309020205020404" pitchFamily="49" charset="0"/>
+              <a:buChar char="o"/>
+              <a:defRPr sz="1400" kern="1200">
+                <a:solidFill>
+                  <a:schemeClr val="tx1"/>
+                </a:solidFill>
+                <a:latin typeface="Arial" panose="020B0604020202020204" pitchFamily="34" charset="0"/>
+                <a:ea typeface="+mn-ea"/>
+                <a:cs typeface="Arial" panose="020B0604020202020204" pitchFamily="34" charset="0"/>
+              </a:defRPr>
+            </a:lvl3pPr>
+            <a:lvl4pPr marL="1600200" indent="-228600" algn="l" defTabSz="914400" rtl="0" eaLnBrk="1" latinLnBrk="0" hangingPunct="1">
+              <a:lnSpc>
+                <a:spcPct val="100000"/>
+              </a:lnSpc>
+              <a:spcBef>
+                <a:spcPts val="1200"/>
+              </a:spcBef>
+              <a:buClr>
+                <a:schemeClr val="accent1"/>
+              </a:buClr>
+              <a:buSzPct val="125000"/>
+              <a:buFont typeface="Courier New" panose="02070309020205020404" pitchFamily="49" charset="0"/>
+              <a:buChar char="o"/>
+              <a:defRPr sz="1400" kern="1200">
+                <a:solidFill>
+                  <a:schemeClr val="tx1"/>
+                </a:solidFill>
+                <a:latin typeface="Arial" panose="020B0604020202020204" pitchFamily="34" charset="0"/>
+                <a:ea typeface="+mn-ea"/>
+                <a:cs typeface="Arial" panose="020B0604020202020204" pitchFamily="34" charset="0"/>
+              </a:defRPr>
+            </a:lvl4pPr>
+            <a:lvl5pPr marL="2057400" indent="-228600" algn="l" defTabSz="914400" rtl="0" eaLnBrk="1" latinLnBrk="0" hangingPunct="1">
+              <a:lnSpc>
+                <a:spcPct val="100000"/>
+              </a:lnSpc>
+              <a:spcBef>
+                <a:spcPts val="1200"/>
+              </a:spcBef>
+              <a:buClr>
+                <a:schemeClr val="accent1"/>
+              </a:buClr>
+              <a:buSzPct val="125000"/>
+              <a:buFont typeface="Courier New" panose="02070309020205020404" pitchFamily="49" charset="0"/>
+              <a:buChar char="o"/>
+              <a:defRPr sz="1400" kern="1200">
+                <a:solidFill>
+                  <a:schemeClr val="tx1"/>
+                </a:solidFill>
+                <a:latin typeface="Arial" panose="020B0604020202020204" pitchFamily="34" charset="0"/>
+                <a:ea typeface="+mn-ea"/>
+                <a:cs typeface="Arial" panose="020B0604020202020204" pitchFamily="34" charset="0"/>
+              </a:defRPr>
+            </a:lvl5pPr>
+            <a:lvl6pPr marL="2514600" indent="-228600" algn="l" defTabSz="914400" rtl="0" eaLnBrk="1" latinLnBrk="0" hangingPunct="1">
+              <a:spcBef>
+                <a:spcPct val="20000"/>
+              </a:spcBef>
+              <a:buFont typeface="Arial" panose="020B0604020202020204" pitchFamily="34" charset="0"/>
+              <a:buChar char="•"/>
+              <a:defRPr sz="2000" kern="1200">
+                <a:solidFill>
+                  <a:schemeClr val="tx1"/>
+                </a:solidFill>
+                <a:latin typeface="+mn-lt"/>
+                <a:ea typeface="+mn-ea"/>
+                <a:cs typeface="+mn-cs"/>
+              </a:defRPr>
+            </a:lvl6pPr>
+            <a:lvl7pPr marL="2971800" indent="-228600" algn="l" defTabSz="914400" rtl="0" eaLnBrk="1" latinLnBrk="0" hangingPunct="1">
+              <a:spcBef>
+                <a:spcPct val="20000"/>
+              </a:spcBef>
+              <a:buFont typeface="Arial" panose="020B0604020202020204" pitchFamily="34" charset="0"/>
+              <a:buChar char="•"/>
+              <a:defRPr sz="2000" kern="1200">
+                <a:solidFill>
+                  <a:schemeClr val="tx1"/>
+                </a:solidFill>
+                <a:latin typeface="+mn-lt"/>
+                <a:ea typeface="+mn-ea"/>
+                <a:cs typeface="+mn-cs"/>
+              </a:defRPr>
+            </a:lvl7pPr>
+            <a:lvl8pPr marL="3429000" indent="-228600" algn="l" defTabSz="914400" rtl="0" eaLnBrk="1" latinLnBrk="0" hangingPunct="1">
+              <a:spcBef>
+                <a:spcPct val="20000"/>
+              </a:spcBef>
+              <a:buFont typeface="Arial" panose="020B0604020202020204" pitchFamily="34" charset="0"/>
+              <a:buChar char="•"/>
+              <a:defRPr sz="2000" kern="1200">
+                <a:solidFill>
+                  <a:schemeClr val="tx1"/>
+                </a:solidFill>
+                <a:latin typeface="+mn-lt"/>
+                <a:ea typeface="+mn-ea"/>
+                <a:cs typeface="+mn-cs"/>
+              </a:defRPr>
+            </a:lvl8pPr>
+            <a:lvl9pPr marL="3886200" indent="-228600" algn="l" defTabSz="914400" rtl="0" eaLnBrk="1" latinLnBrk="0" hangingPunct="1">
+              <a:spcBef>
+                <a:spcPct val="20000"/>
+              </a:spcBef>
+              <a:buFont typeface="Arial" panose="020B0604020202020204" pitchFamily="34" charset="0"/>
+              <a:buChar char="•"/>
+              <a:defRPr sz="2000" kern="1200">
+                <a:solidFill>
+                  <a:schemeClr val="tx1"/>
+                </a:solidFill>
+                <a:latin typeface="+mn-lt"/>
+                <a:ea typeface="+mn-ea"/>
+                <a:cs typeface="+mn-cs"/>
+              </a:defRPr>
+            </a:lvl9pPr>
+          </a:lstStyle>
+          <a:p>
+            <a:pPr marL="0" indent="0">
+              <a:buNone/>
+            </a:pPr>
+            <a:r>
+              <a:rPr lang="en-CA" sz="1500" dirty="0"/>
+              <a:t>2. OCR extracts doctor names from scanned documents</a:t>
+            </a:r>
+          </a:p>
+        </p:txBody>
+      </p:sp>
       <p:pic>
         <p:nvPicPr>
-          <p:cNvPr id="8" name="Picture 7" descr="A magnifying glass and a magnifying glass&#10;&#10;AI-generated content may be incorrect.">
+          <p:cNvPr id="9" name="Picture 8">
             <a:extLst>
               <a:ext uri="{FF2B5EF4-FFF2-40B4-BE49-F238E27FC236}">
-                <a16:creationId xmlns:a16="http://schemas.microsoft.com/office/drawing/2014/main" id="{78D689E9-9D72-F0B7-9EB9-D97178A090E1}"/>
+                <a16:creationId xmlns:a16="http://schemas.microsoft.com/office/drawing/2014/main" id="{4191FC22-26D2-388E-86CC-E5CC02D7117A}"/>
               </a:ext>
             </a:extLst>
           </p:cNvPr>
@@ -6566,80 +6772,27 @@
           <p:nvPr/>
         </p:nvPicPr>
         <p:blipFill>
-          <a:blip r:embed="rId2">
-            <a:extLst>
-              <a:ext uri="{28A0092B-C50C-407E-A947-70E740481C1C}">
-                <a14:useLocalDpi xmlns:a14="http://schemas.microsoft.com/office/drawing/2010/main" val="0"/>
-              </a:ext>
-            </a:extLst>
-          </a:blip>
+          <a:blip r:embed="rId2"/>
           <a:stretch>
             <a:fillRect/>
           </a:stretch>
         </p:blipFill>
         <p:spPr>
           <a:xfrm>
-            <a:off x="689085" y="3762146"/>
-            <a:ext cx="5233921" cy="1909289"/>
+            <a:off x="6433781" y="1866922"/>
+            <a:ext cx="3230691" cy="4206998"/>
           </a:xfrm>
           <a:prstGeom prst="rect">
             <a:avLst/>
           </a:prstGeom>
         </p:spPr>
       </p:pic>
-      <p:pic>
-        <p:nvPicPr>
-          <p:cNvPr id="2052" name="Picture 4" descr="Database - Free seo and web icons">
-            <a:extLst>
-              <a:ext uri="{FF2B5EF4-FFF2-40B4-BE49-F238E27FC236}">
-                <a16:creationId xmlns:a16="http://schemas.microsoft.com/office/drawing/2014/main" id="{C4027D2D-EBFD-B3CE-E166-55976ADBFFB7}"/>
-              </a:ext>
-            </a:extLst>
-          </p:cNvPr>
-          <p:cNvPicPr>
-            <a:picLocks noChangeAspect="1" noChangeArrowheads="1"/>
-          </p:cNvPicPr>
-          <p:nvPr/>
-        </p:nvPicPr>
-        <p:blipFill>
-          <a:blip r:embed="rId3" cstate="print">
-            <a:extLst>
-              <a:ext uri="{28A0092B-C50C-407E-A947-70E740481C1C}">
-                <a14:useLocalDpi xmlns:a14="http://schemas.microsoft.com/office/drawing/2010/main" val="0"/>
-              </a:ext>
-            </a:extLst>
-          </a:blip>
-          <a:srcRect/>
-          <a:stretch>
-            <a:fillRect/>
-          </a:stretch>
-        </p:blipFill>
-        <p:spPr bwMode="auto">
-          <a:xfrm>
-            <a:off x="7827766" y="3889148"/>
-            <a:ext cx="1655281" cy="1655281"/>
-          </a:xfrm>
-          <a:prstGeom prst="rect">
-            <a:avLst/>
-          </a:prstGeom>
-          <a:noFill/>
-          <a:extLst>
-            <a:ext uri="{909E8E84-426E-40DD-AFC4-6F175D3DCCD1}">
-              <a14:hiddenFill xmlns:a14="http://schemas.microsoft.com/office/drawing/2010/main">
-                <a:solidFill>
-                  <a:srgbClr val="FFFFFF"/>
-                </a:solidFill>
-              </a14:hiddenFill>
-            </a:ext>
-          </a:extLst>
-        </p:spPr>
-      </p:pic>
       <p:sp>
         <p:nvSpPr>
-          <p:cNvPr id="11" name="Left-Right Arrow 10">
+          <p:cNvPr id="10" name="Arrow: Right 9">
             <a:extLst>
               <a:ext uri="{FF2B5EF4-FFF2-40B4-BE49-F238E27FC236}">
-                <a16:creationId xmlns:a16="http://schemas.microsoft.com/office/drawing/2014/main" id="{18D14555-2ADB-647A-9B3D-60B80376EB3D}"/>
+                <a16:creationId xmlns:a16="http://schemas.microsoft.com/office/drawing/2014/main" id="{F96399FA-4AF8-713F-DB76-AF0CCE6EF965}"/>
               </a:ext>
             </a:extLst>
           </p:cNvPr>
@@ -6648,10 +6801,10 @@
         </p:nvSpPr>
         <p:spPr>
           <a:xfrm>
-            <a:off x="6452126" y="4633645"/>
-            <a:ext cx="976090" cy="174202"/>
+            <a:off x="4696326" y="3429000"/>
+            <a:ext cx="1259305" cy="541421"/>
           </a:xfrm>
-          <a:prstGeom prst="leftRightArrow">
+          <a:prstGeom prst="rightArrow">
             <a:avLst/>
           </a:prstGeom>
           <a:ln>
@@ -6679,10 +6832,89 @@
           <a:lstStyle/>
           <a:p>
             <a:pPr algn="ctr"/>
-            <a:endParaRPr lang="en-US"/>
+            <a:endParaRPr lang="en-GB"/>
           </a:p>
         </p:txBody>
       </p:sp>
+      <p:sp>
+        <p:nvSpPr>
+          <p:cNvPr id="12" name="Arrow: Right 11">
+            <a:extLst>
+              <a:ext uri="{FF2B5EF4-FFF2-40B4-BE49-F238E27FC236}">
+                <a16:creationId xmlns:a16="http://schemas.microsoft.com/office/drawing/2014/main" id="{2F4B08A3-7968-38B9-9247-94346115685C}"/>
+              </a:ext>
+            </a:extLst>
+          </p:cNvPr>
+          <p:cNvSpPr/>
+          <p:nvPr/>
+        </p:nvSpPr>
+        <p:spPr>
+          <a:xfrm>
+            <a:off x="10142622" y="3429000"/>
+            <a:ext cx="1259305" cy="541421"/>
+          </a:xfrm>
+          <a:prstGeom prst="rightArrow">
+            <a:avLst/>
+          </a:prstGeom>
+          <a:ln>
+            <a:noFill/>
+          </a:ln>
+        </p:spPr>
+        <p:style>
+          <a:lnRef idx="2">
+            <a:schemeClr val="accent1">
+              <a:shade val="50000"/>
+            </a:schemeClr>
+          </a:lnRef>
+          <a:fillRef idx="1">
+            <a:schemeClr val="accent1"/>
+          </a:fillRef>
+          <a:effectRef idx="0">
+            <a:schemeClr val="accent1"/>
+          </a:effectRef>
+          <a:fontRef idx="minor">
+            <a:schemeClr val="lt1"/>
+          </a:fontRef>
+        </p:style>
+        <p:txBody>
+          <a:bodyPr rtlCol="0" anchor="ctr"/>
+          <a:lstStyle/>
+          <a:p>
+            <a:pPr algn="ctr"/>
+            <a:endParaRPr lang="en-GB"/>
+          </a:p>
+        </p:txBody>
+      </p:sp>
+      <p:pic>
+        <p:nvPicPr>
+          <p:cNvPr id="18" name="Picture 17">
+            <a:extLst>
+              <a:ext uri="{FF2B5EF4-FFF2-40B4-BE49-F238E27FC236}">
+                <a16:creationId xmlns:a16="http://schemas.microsoft.com/office/drawing/2014/main" id="{11ABA8E6-4505-A945-B505-73D369189BFA}"/>
+              </a:ext>
+            </a:extLst>
+          </p:cNvPr>
+          <p:cNvPicPr>
+            <a:picLocks noChangeAspect="1"/>
+          </p:cNvPicPr>
+          <p:nvPr/>
+        </p:nvPicPr>
+        <p:blipFill>
+          <a:blip r:embed="rId3"/>
+          <a:stretch>
+            <a:fillRect/>
+          </a:stretch>
+        </p:blipFill>
+        <p:spPr>
+          <a:xfrm>
+            <a:off x="553562" y="2304735"/>
+            <a:ext cx="3947932" cy="2896263"/>
+          </a:xfrm>
+          <a:prstGeom prst="rect">
+            <a:avLst/>
+          </a:prstGeom>
+        </p:spPr>
+      </p:pic>
     </p:spTree>
     <p:extLst>
       <p:ext uri="{BB962C8B-B14F-4D97-AF65-F5344CB8AC3E}">
@@ -6715,6 +6947,671 @@
       </p:grpSpPr>
       <p:sp>
         <p:nvSpPr>
+          <p:cNvPr id="3" name="Slide Number Placeholder 2">
+            <a:extLst>
+              <a:ext uri="{FF2B5EF4-FFF2-40B4-BE49-F238E27FC236}">
+                <a16:creationId xmlns:a16="http://schemas.microsoft.com/office/drawing/2014/main" id="{65DBC22A-172A-677B-88A6-45E33C9509DB}"/>
+              </a:ext>
+            </a:extLst>
+          </p:cNvPr>
+          <p:cNvSpPr>
+            <a:spLocks noGrp="1"/>
+          </p:cNvSpPr>
+          <p:nvPr>
+            <p:ph type="sldNum" sz="quarter" idx="4"/>
+          </p:nvPr>
+        </p:nvSpPr>
+        <p:spPr/>
+        <p:txBody>
+          <a:bodyPr/>
+          <a:lstStyle/>
+          <a:p>
+            <a:fld id="{18A41853-EF22-D446-BDBC-A7CF3FE93503}" type="slidenum">
+              <a:rPr lang="en-US" smtClean="0"/>
+              <a:pPr/>
+              <a:t>4</a:t>
+            </a:fld>
+            <a:endParaRPr lang="en-US" dirty="0"/>
+          </a:p>
+        </p:txBody>
+      </p:sp>
+      <p:sp>
+        <p:nvSpPr>
+          <p:cNvPr id="7" name="Text Placeholder 1">
+            <a:extLst>
+              <a:ext uri="{FF2B5EF4-FFF2-40B4-BE49-F238E27FC236}">
+                <a16:creationId xmlns:a16="http://schemas.microsoft.com/office/drawing/2014/main" id="{C149241A-D101-F577-2077-10ACFF616097}"/>
+              </a:ext>
+            </a:extLst>
+          </p:cNvPr>
+          <p:cNvSpPr txBox="1">
+            <a:spLocks noGrp="1"/>
+          </p:cNvSpPr>
+          <p:nvPr>
+            <p:ph type="body" sz="quarter" idx="12"/>
+          </p:nvPr>
+        </p:nvSpPr>
+        <p:spPr>
+          <a:xfrm>
+            <a:off x="6729405" y="1206666"/>
+            <a:ext cx="4107364" cy="525880"/>
+          </a:xfrm>
+          <a:prstGeom prst="rect">
+            <a:avLst/>
+          </a:prstGeom>
+        </p:spPr>
+        <p:txBody>
+          <a:bodyPr vert="horz" lIns="91440" tIns="45720" rIns="91440" bIns="45720" rtlCol="0" anchor="t">
+            <a:noAutofit/>
+          </a:bodyPr>
+          <a:lstStyle>
+            <a:lvl1pPr marL="285750" indent="-285750" algn="l" defTabSz="914400" rtl="0" eaLnBrk="1" latinLnBrk="0" hangingPunct="1">
+              <a:lnSpc>
+                <a:spcPct val="100000"/>
+              </a:lnSpc>
+              <a:spcBef>
+                <a:spcPts val="1200"/>
+              </a:spcBef>
+              <a:buClr>
+                <a:schemeClr val="accent1"/>
+              </a:buClr>
+              <a:buSzPct val="125000"/>
+              <a:buFont typeface="Courier New" panose="02070309020205020404" pitchFamily="49" charset="0"/>
+              <a:buChar char="o"/>
+              <a:defRPr sz="1600" kern="1200">
+                <a:solidFill>
+                  <a:schemeClr val="tx1"/>
+                </a:solidFill>
+                <a:latin typeface="Arial" panose="020B0604020202020204" pitchFamily="34" charset="0"/>
+                <a:ea typeface="+mn-ea"/>
+                <a:cs typeface="Arial" panose="020B0604020202020204" pitchFamily="34" charset="0"/>
+              </a:defRPr>
+            </a:lvl1pPr>
+            <a:lvl2pPr marL="742950" indent="-285750" algn="l" defTabSz="914400" rtl="0" eaLnBrk="1" latinLnBrk="0" hangingPunct="1">
+              <a:lnSpc>
+                <a:spcPct val="100000"/>
+              </a:lnSpc>
+              <a:spcBef>
+                <a:spcPts val="1200"/>
+              </a:spcBef>
+              <a:buClr>
+                <a:schemeClr val="accent1"/>
+              </a:buClr>
+              <a:buSzPct val="125000"/>
+              <a:buFont typeface="Courier New" panose="02070309020205020404" pitchFamily="49" charset="0"/>
+              <a:buChar char="o"/>
+              <a:defRPr sz="1600" kern="1200">
+                <a:solidFill>
+                  <a:schemeClr val="tx1"/>
+                </a:solidFill>
+                <a:latin typeface="Arial" panose="020B0604020202020204" pitchFamily="34" charset="0"/>
+                <a:ea typeface="+mn-ea"/>
+                <a:cs typeface="Arial" panose="020B0604020202020204" pitchFamily="34" charset="0"/>
+              </a:defRPr>
+            </a:lvl2pPr>
+            <a:lvl3pPr marL="1143000" indent="-228600" algn="l" defTabSz="914400" rtl="0" eaLnBrk="1" latinLnBrk="0" hangingPunct="1">
+              <a:lnSpc>
+                <a:spcPct val="100000"/>
+              </a:lnSpc>
+              <a:spcBef>
+                <a:spcPts val="1200"/>
+              </a:spcBef>
+              <a:buClr>
+                <a:schemeClr val="accent1"/>
+              </a:buClr>
+              <a:buSzPct val="125000"/>
+              <a:buFont typeface="Courier New" panose="02070309020205020404" pitchFamily="49" charset="0"/>
+              <a:buChar char="o"/>
+              <a:defRPr sz="1400" kern="1200">
+                <a:solidFill>
+                  <a:schemeClr val="tx1"/>
+                </a:solidFill>
+                <a:latin typeface="Arial" panose="020B0604020202020204" pitchFamily="34" charset="0"/>
+                <a:ea typeface="+mn-ea"/>
+                <a:cs typeface="Arial" panose="020B0604020202020204" pitchFamily="34" charset="0"/>
+              </a:defRPr>
+            </a:lvl3pPr>
+            <a:lvl4pPr marL="1600200" indent="-228600" algn="l" defTabSz="914400" rtl="0" eaLnBrk="1" latinLnBrk="0" hangingPunct="1">
+              <a:lnSpc>
+                <a:spcPct val="100000"/>
+              </a:lnSpc>
+              <a:spcBef>
+                <a:spcPts val="1200"/>
+              </a:spcBef>
+              <a:buClr>
+                <a:schemeClr val="accent1"/>
+              </a:buClr>
+              <a:buSzPct val="125000"/>
+              <a:buFont typeface="Courier New" panose="02070309020205020404" pitchFamily="49" charset="0"/>
+              <a:buChar char="o"/>
+              <a:defRPr sz="1400" kern="1200">
+                <a:solidFill>
+                  <a:schemeClr val="tx1"/>
+                </a:solidFill>
+                <a:latin typeface="Arial" panose="020B0604020202020204" pitchFamily="34" charset="0"/>
+                <a:ea typeface="+mn-ea"/>
+                <a:cs typeface="Arial" panose="020B0604020202020204" pitchFamily="34" charset="0"/>
+              </a:defRPr>
+            </a:lvl4pPr>
+            <a:lvl5pPr marL="2057400" indent="-228600" algn="l" defTabSz="914400" rtl="0" eaLnBrk="1" latinLnBrk="0" hangingPunct="1">
+              <a:lnSpc>
+                <a:spcPct val="100000"/>
+              </a:lnSpc>
+              <a:spcBef>
+                <a:spcPts val="1200"/>
+              </a:spcBef>
+              <a:buClr>
+                <a:schemeClr val="accent1"/>
+              </a:buClr>
+              <a:buSzPct val="125000"/>
+              <a:buFont typeface="Courier New" panose="02070309020205020404" pitchFamily="49" charset="0"/>
+              <a:buChar char="o"/>
+              <a:defRPr sz="1400" kern="1200">
+                <a:solidFill>
+                  <a:schemeClr val="tx1"/>
+                </a:solidFill>
+                <a:latin typeface="Arial" panose="020B0604020202020204" pitchFamily="34" charset="0"/>
+                <a:ea typeface="+mn-ea"/>
+                <a:cs typeface="Arial" panose="020B0604020202020204" pitchFamily="34" charset="0"/>
+              </a:defRPr>
+            </a:lvl5pPr>
+            <a:lvl6pPr marL="2514600" indent="-228600" algn="l" defTabSz="914400" rtl="0" eaLnBrk="1" latinLnBrk="0" hangingPunct="1">
+              <a:spcBef>
+                <a:spcPct val="20000"/>
+              </a:spcBef>
+              <a:buFont typeface="Arial" panose="020B0604020202020204" pitchFamily="34" charset="0"/>
+              <a:buChar char="•"/>
+              <a:defRPr sz="2000" kern="1200">
+                <a:solidFill>
+                  <a:schemeClr val="tx1"/>
+                </a:solidFill>
+                <a:latin typeface="+mn-lt"/>
+                <a:ea typeface="+mn-ea"/>
+                <a:cs typeface="+mn-cs"/>
+              </a:defRPr>
+            </a:lvl6pPr>
+            <a:lvl7pPr marL="2971800" indent="-228600" algn="l" defTabSz="914400" rtl="0" eaLnBrk="1" latinLnBrk="0" hangingPunct="1">
+              <a:spcBef>
+                <a:spcPct val="20000"/>
+              </a:spcBef>
+              <a:buFont typeface="Arial" panose="020B0604020202020204" pitchFamily="34" charset="0"/>
+              <a:buChar char="•"/>
+              <a:defRPr sz="2000" kern="1200">
+                <a:solidFill>
+                  <a:schemeClr val="tx1"/>
+                </a:solidFill>
+                <a:latin typeface="+mn-lt"/>
+                <a:ea typeface="+mn-ea"/>
+                <a:cs typeface="+mn-cs"/>
+              </a:defRPr>
+            </a:lvl7pPr>
+            <a:lvl8pPr marL="3429000" indent="-228600" algn="l" defTabSz="914400" rtl="0" eaLnBrk="1" latinLnBrk="0" hangingPunct="1">
+              <a:spcBef>
+                <a:spcPct val="20000"/>
+              </a:spcBef>
+              <a:buFont typeface="Arial" panose="020B0604020202020204" pitchFamily="34" charset="0"/>
+              <a:buChar char="•"/>
+              <a:defRPr sz="2000" kern="1200">
+                <a:solidFill>
+                  <a:schemeClr val="tx1"/>
+                </a:solidFill>
+                <a:latin typeface="+mn-lt"/>
+                <a:ea typeface="+mn-ea"/>
+                <a:cs typeface="+mn-cs"/>
+              </a:defRPr>
+            </a:lvl8pPr>
+            <a:lvl9pPr marL="3886200" indent="-228600" algn="l" defTabSz="914400" rtl="0" eaLnBrk="1" latinLnBrk="0" hangingPunct="1">
+              <a:spcBef>
+                <a:spcPct val="20000"/>
+              </a:spcBef>
+              <a:buFont typeface="Arial" panose="020B0604020202020204" pitchFamily="34" charset="0"/>
+              <a:buChar char="•"/>
+              <a:defRPr sz="2000" kern="1200">
+                <a:solidFill>
+                  <a:schemeClr val="tx1"/>
+                </a:solidFill>
+                <a:latin typeface="+mn-lt"/>
+                <a:ea typeface="+mn-ea"/>
+                <a:cs typeface="+mn-cs"/>
+              </a:defRPr>
+            </a:lvl9pPr>
+          </a:lstStyle>
+          <a:p>
+            <a:pPr marL="0" indent="0">
+              <a:buNone/>
+            </a:pPr>
+            <a:r>
+              <a:rPr lang="en-CA" sz="1500" dirty="0"/>
+              <a:t>4. Results exported for audit and analytics</a:t>
+            </a:r>
+            <a:endParaRPr lang="en-GB" sz="1500" dirty="0"/>
+          </a:p>
+        </p:txBody>
+      </p:sp>
+      <p:sp>
+        <p:nvSpPr>
+          <p:cNvPr id="8" name="Arrow: Right 7">
+            <a:extLst>
+              <a:ext uri="{FF2B5EF4-FFF2-40B4-BE49-F238E27FC236}">
+                <a16:creationId xmlns:a16="http://schemas.microsoft.com/office/drawing/2014/main" id="{775E328D-4241-BFDE-E2C7-A54D4AEA949C}"/>
+              </a:ext>
+            </a:extLst>
+          </p:cNvPr>
+          <p:cNvSpPr/>
+          <p:nvPr/>
+        </p:nvSpPr>
+        <p:spPr>
+          <a:xfrm>
+            <a:off x="191556" y="3158289"/>
+            <a:ext cx="1259305" cy="541421"/>
+          </a:xfrm>
+          <a:prstGeom prst="rightArrow">
+            <a:avLst/>
+          </a:prstGeom>
+          <a:ln>
+            <a:noFill/>
+          </a:ln>
+        </p:spPr>
+        <p:style>
+          <a:lnRef idx="2">
+            <a:schemeClr val="accent1">
+              <a:shade val="50000"/>
+            </a:schemeClr>
+          </a:lnRef>
+          <a:fillRef idx="1">
+            <a:schemeClr val="accent1"/>
+          </a:fillRef>
+          <a:effectRef idx="0">
+            <a:schemeClr val="accent1"/>
+          </a:effectRef>
+          <a:fontRef idx="minor">
+            <a:schemeClr val="lt1"/>
+          </a:fontRef>
+        </p:style>
+        <p:txBody>
+          <a:bodyPr rtlCol="0" anchor="ctr"/>
+          <a:lstStyle/>
+          <a:p>
+            <a:pPr algn="ctr"/>
+            <a:endParaRPr lang="en-GB"/>
+          </a:p>
+        </p:txBody>
+      </p:sp>
+      <p:pic>
+        <p:nvPicPr>
+          <p:cNvPr id="10" name="Picture 9">
+            <a:extLst>
+              <a:ext uri="{FF2B5EF4-FFF2-40B4-BE49-F238E27FC236}">
+                <a16:creationId xmlns:a16="http://schemas.microsoft.com/office/drawing/2014/main" id="{AC44E8E3-8DED-B3D5-7BD6-A645C4D1368A}"/>
+              </a:ext>
+            </a:extLst>
+          </p:cNvPr>
+          <p:cNvPicPr>
+            <a:picLocks noChangeAspect="1"/>
+          </p:cNvPicPr>
+          <p:nvPr/>
+        </p:nvPicPr>
+        <p:blipFill>
+          <a:blip r:embed="rId2"/>
+          <a:stretch>
+            <a:fillRect/>
+          </a:stretch>
+        </p:blipFill>
+        <p:spPr>
+          <a:xfrm>
+            <a:off x="6729405" y="2346613"/>
+            <a:ext cx="4736423" cy="1972264"/>
+          </a:xfrm>
+          <a:prstGeom prst="rect">
+            <a:avLst/>
+          </a:prstGeom>
+        </p:spPr>
+      </p:pic>
+      <p:sp>
+        <p:nvSpPr>
+          <p:cNvPr id="11" name="Text Placeholder 1">
+            <a:extLst>
+              <a:ext uri="{FF2B5EF4-FFF2-40B4-BE49-F238E27FC236}">
+                <a16:creationId xmlns:a16="http://schemas.microsoft.com/office/drawing/2014/main" id="{1006FA87-FC2C-0C4C-5C6D-10BC6D3732FC}"/>
+              </a:ext>
+            </a:extLst>
+          </p:cNvPr>
+          <p:cNvSpPr txBox="1">
+            <a:spLocks/>
+          </p:cNvSpPr>
+          <p:nvPr/>
+        </p:nvSpPr>
+        <p:spPr>
+          <a:xfrm>
+            <a:off x="467810" y="1206666"/>
+            <a:ext cx="5815521" cy="525880"/>
+          </a:xfrm>
+          <a:prstGeom prst="rect">
+            <a:avLst/>
+          </a:prstGeom>
+        </p:spPr>
+        <p:txBody>
+          <a:bodyPr vert="horz" lIns="91440" tIns="45720" rIns="91440" bIns="45720" rtlCol="0" anchor="t">
+            <a:noAutofit/>
+          </a:bodyPr>
+          <a:lstStyle>
+            <a:lvl1pPr marL="285750" indent="-285750" algn="l" defTabSz="914400" rtl="0" eaLnBrk="1" latinLnBrk="0" hangingPunct="1">
+              <a:lnSpc>
+                <a:spcPct val="100000"/>
+              </a:lnSpc>
+              <a:spcBef>
+                <a:spcPts val="1200"/>
+              </a:spcBef>
+              <a:buClr>
+                <a:schemeClr val="accent1"/>
+              </a:buClr>
+              <a:buSzPct val="125000"/>
+              <a:buFont typeface="Courier New" panose="02070309020205020404" pitchFamily="49" charset="0"/>
+              <a:buChar char="o"/>
+              <a:defRPr sz="1600" kern="1200">
+                <a:solidFill>
+                  <a:schemeClr val="tx1"/>
+                </a:solidFill>
+                <a:latin typeface="Arial" panose="020B0604020202020204" pitchFamily="34" charset="0"/>
+                <a:ea typeface="+mn-ea"/>
+                <a:cs typeface="Arial" panose="020B0604020202020204" pitchFamily="34" charset="0"/>
+              </a:defRPr>
+            </a:lvl1pPr>
+            <a:lvl2pPr marL="742950" indent="-285750" algn="l" defTabSz="914400" rtl="0" eaLnBrk="1" latinLnBrk="0" hangingPunct="1">
+              <a:lnSpc>
+                <a:spcPct val="100000"/>
+              </a:lnSpc>
+              <a:spcBef>
+                <a:spcPts val="1200"/>
+              </a:spcBef>
+              <a:buClr>
+                <a:schemeClr val="accent1"/>
+              </a:buClr>
+              <a:buSzPct val="125000"/>
+              <a:buFont typeface="Courier New" panose="02070309020205020404" pitchFamily="49" charset="0"/>
+              <a:buChar char="o"/>
+              <a:defRPr sz="1600" kern="1200">
+                <a:solidFill>
+                  <a:schemeClr val="tx1"/>
+                </a:solidFill>
+                <a:latin typeface="Arial" panose="020B0604020202020204" pitchFamily="34" charset="0"/>
+                <a:ea typeface="+mn-ea"/>
+                <a:cs typeface="Arial" panose="020B0604020202020204" pitchFamily="34" charset="0"/>
+              </a:defRPr>
+            </a:lvl2pPr>
+            <a:lvl3pPr marL="1143000" indent="-228600" algn="l" defTabSz="914400" rtl="0" eaLnBrk="1" latinLnBrk="0" hangingPunct="1">
+              <a:lnSpc>
+                <a:spcPct val="100000"/>
+              </a:lnSpc>
+              <a:spcBef>
+                <a:spcPts val="1200"/>
+              </a:spcBef>
+              <a:buClr>
+                <a:schemeClr val="accent1"/>
+              </a:buClr>
+              <a:buSzPct val="125000"/>
+              <a:buFont typeface="Courier New" panose="02070309020205020404" pitchFamily="49" charset="0"/>
+              <a:buChar char="o"/>
+              <a:defRPr sz="1400" kern="1200">
+                <a:solidFill>
+                  <a:schemeClr val="tx1"/>
+                </a:solidFill>
+                <a:latin typeface="Arial" panose="020B0604020202020204" pitchFamily="34" charset="0"/>
+                <a:ea typeface="+mn-ea"/>
+                <a:cs typeface="Arial" panose="020B0604020202020204" pitchFamily="34" charset="0"/>
+              </a:defRPr>
+            </a:lvl3pPr>
+            <a:lvl4pPr marL="1600200" indent="-228600" algn="l" defTabSz="914400" rtl="0" eaLnBrk="1" latinLnBrk="0" hangingPunct="1">
+              <a:lnSpc>
+                <a:spcPct val="100000"/>
+              </a:lnSpc>
+              <a:spcBef>
+                <a:spcPts val="1200"/>
+              </a:spcBef>
+              <a:buClr>
+                <a:schemeClr val="accent1"/>
+              </a:buClr>
+              <a:buSzPct val="125000"/>
+              <a:buFont typeface="Courier New" panose="02070309020205020404" pitchFamily="49" charset="0"/>
+              <a:buChar char="o"/>
+              <a:defRPr sz="1400" kern="1200">
+                <a:solidFill>
+                  <a:schemeClr val="tx1"/>
+                </a:solidFill>
+                <a:latin typeface="Arial" panose="020B0604020202020204" pitchFamily="34" charset="0"/>
+                <a:ea typeface="+mn-ea"/>
+                <a:cs typeface="Arial" panose="020B0604020202020204" pitchFamily="34" charset="0"/>
+              </a:defRPr>
+            </a:lvl4pPr>
+            <a:lvl5pPr marL="2057400" indent="-228600" algn="l" defTabSz="914400" rtl="0" eaLnBrk="1" latinLnBrk="0" hangingPunct="1">
+              <a:lnSpc>
+                <a:spcPct val="100000"/>
+              </a:lnSpc>
+              <a:spcBef>
+                <a:spcPts val="1200"/>
+              </a:spcBef>
+              <a:buClr>
+                <a:schemeClr val="accent1"/>
+              </a:buClr>
+              <a:buSzPct val="125000"/>
+              <a:buFont typeface="Courier New" panose="02070309020205020404" pitchFamily="49" charset="0"/>
+              <a:buChar char="o"/>
+              <a:defRPr sz="1400" kern="1200">
+                <a:solidFill>
+                  <a:schemeClr val="tx1"/>
+                </a:solidFill>
+                <a:latin typeface="Arial" panose="020B0604020202020204" pitchFamily="34" charset="0"/>
+                <a:ea typeface="+mn-ea"/>
+                <a:cs typeface="Arial" panose="020B0604020202020204" pitchFamily="34" charset="0"/>
+              </a:defRPr>
+            </a:lvl5pPr>
+            <a:lvl6pPr marL="2514600" indent="-228600" algn="l" defTabSz="914400" rtl="0" eaLnBrk="1" latinLnBrk="0" hangingPunct="1">
+              <a:spcBef>
+                <a:spcPct val="20000"/>
+              </a:spcBef>
+              <a:buFont typeface="Arial" panose="020B0604020202020204" pitchFamily="34" charset="0"/>
+              <a:buChar char="•"/>
+              <a:defRPr sz="2000" kern="1200">
+                <a:solidFill>
+                  <a:schemeClr val="tx1"/>
+                </a:solidFill>
+                <a:latin typeface="+mn-lt"/>
+                <a:ea typeface="+mn-ea"/>
+                <a:cs typeface="+mn-cs"/>
+              </a:defRPr>
+            </a:lvl6pPr>
+            <a:lvl7pPr marL="2971800" indent="-228600" algn="l" defTabSz="914400" rtl="0" eaLnBrk="1" latinLnBrk="0" hangingPunct="1">
+              <a:spcBef>
+                <a:spcPct val="20000"/>
+              </a:spcBef>
+              <a:buFont typeface="Arial" panose="020B0604020202020204" pitchFamily="34" charset="0"/>
+              <a:buChar char="•"/>
+              <a:defRPr sz="2000" kern="1200">
+                <a:solidFill>
+                  <a:schemeClr val="tx1"/>
+                </a:solidFill>
+                <a:latin typeface="+mn-lt"/>
+                <a:ea typeface="+mn-ea"/>
+                <a:cs typeface="+mn-cs"/>
+              </a:defRPr>
+            </a:lvl7pPr>
+            <a:lvl8pPr marL="3429000" indent="-228600" algn="l" defTabSz="914400" rtl="0" eaLnBrk="1" latinLnBrk="0" hangingPunct="1">
+              <a:spcBef>
+                <a:spcPct val="20000"/>
+              </a:spcBef>
+              <a:buFont typeface="Arial" panose="020B0604020202020204" pitchFamily="34" charset="0"/>
+              <a:buChar char="•"/>
+              <a:defRPr sz="2000" kern="1200">
+                <a:solidFill>
+                  <a:schemeClr val="tx1"/>
+                </a:solidFill>
+                <a:latin typeface="+mn-lt"/>
+                <a:ea typeface="+mn-ea"/>
+                <a:cs typeface="+mn-cs"/>
+              </a:defRPr>
+            </a:lvl8pPr>
+            <a:lvl9pPr marL="3886200" indent="-228600" algn="l" defTabSz="914400" rtl="0" eaLnBrk="1" latinLnBrk="0" hangingPunct="1">
+              <a:spcBef>
+                <a:spcPct val="20000"/>
+              </a:spcBef>
+              <a:buFont typeface="Arial" panose="020B0604020202020204" pitchFamily="34" charset="0"/>
+              <a:buChar char="•"/>
+              <a:defRPr sz="2000" kern="1200">
+                <a:solidFill>
+                  <a:schemeClr val="tx1"/>
+                </a:solidFill>
+                <a:latin typeface="+mn-lt"/>
+                <a:ea typeface="+mn-ea"/>
+                <a:cs typeface="+mn-cs"/>
+              </a:defRPr>
+            </a:lvl9pPr>
+          </a:lstStyle>
+          <a:p>
+            <a:pPr marL="0" indent="0">
+              <a:buNone/>
+            </a:pPr>
+            <a:r>
+              <a:rPr lang="en-CA" sz="1500" dirty="0"/>
+              <a:t>3. Names are matched against HKMC registered doctor list</a:t>
+            </a:r>
+          </a:p>
+          <a:p>
+            <a:pPr marL="0" indent="0">
+              <a:buFont typeface="Courier New" panose="02070309020205020404" pitchFamily="49" charset="0"/>
+              <a:buNone/>
+            </a:pPr>
+            <a:endParaRPr lang="en-GB" dirty="0"/>
+          </a:p>
+        </p:txBody>
+      </p:sp>
+      <p:sp>
+        <p:nvSpPr>
+          <p:cNvPr id="12" name="Arrow: Right 11">
+            <a:extLst>
+              <a:ext uri="{FF2B5EF4-FFF2-40B4-BE49-F238E27FC236}">
+                <a16:creationId xmlns:a16="http://schemas.microsoft.com/office/drawing/2014/main" id="{F04EDE48-9E4D-1043-38C6-1EFB721A76F0}"/>
+              </a:ext>
+            </a:extLst>
+          </p:cNvPr>
+          <p:cNvSpPr/>
+          <p:nvPr/>
+        </p:nvSpPr>
+        <p:spPr>
+          <a:xfrm>
+            <a:off x="5287840" y="3158288"/>
+            <a:ext cx="1259305" cy="541421"/>
+          </a:xfrm>
+          <a:prstGeom prst="rightArrow">
+            <a:avLst/>
+          </a:prstGeom>
+          <a:ln>
+            <a:noFill/>
+          </a:ln>
+        </p:spPr>
+        <p:style>
+          <a:lnRef idx="2">
+            <a:schemeClr val="accent1">
+              <a:shade val="50000"/>
+            </a:schemeClr>
+          </a:lnRef>
+          <a:fillRef idx="1">
+            <a:schemeClr val="accent1"/>
+          </a:fillRef>
+          <a:effectRef idx="0">
+            <a:schemeClr val="accent1"/>
+          </a:effectRef>
+          <a:fontRef idx="minor">
+            <a:schemeClr val="lt1"/>
+          </a:fontRef>
+        </p:style>
+        <p:txBody>
+          <a:bodyPr rtlCol="0" anchor="ctr"/>
+          <a:lstStyle/>
+          <a:p>
+            <a:pPr algn="ctr"/>
+            <a:endParaRPr lang="en-GB"/>
+          </a:p>
+        </p:txBody>
+      </p:sp>
+      <p:pic>
+        <p:nvPicPr>
+          <p:cNvPr id="2050" name="Picture 2" descr="Learning Options">
+            <a:extLst>
+              <a:ext uri="{FF2B5EF4-FFF2-40B4-BE49-F238E27FC236}">
+                <a16:creationId xmlns:a16="http://schemas.microsoft.com/office/drawing/2014/main" id="{4716277A-DDE5-7ADA-2E54-AB19D6CDA84A}"/>
+              </a:ext>
+            </a:extLst>
+          </p:cNvPr>
+          <p:cNvPicPr>
+            <a:picLocks noChangeAspect="1" noChangeArrowheads="1"/>
+          </p:cNvPicPr>
+          <p:nvPr/>
+        </p:nvPicPr>
+        <p:blipFill>
+          <a:blip r:embed="rId3" cstate="print">
+            <a:extLst>
+              <a:ext uri="{28A0092B-C50C-407E-A947-70E740481C1C}">
+                <a14:useLocalDpi xmlns:a14="http://schemas.microsoft.com/office/drawing/2010/main" val="0"/>
+              </a:ext>
+            </a:extLst>
+          </a:blip>
+          <a:srcRect/>
+          <a:stretch>
+            <a:fillRect/>
+          </a:stretch>
+        </p:blipFill>
+        <p:spPr bwMode="auto">
+          <a:xfrm>
+            <a:off x="1711622" y="2117558"/>
+            <a:ext cx="2831432" cy="2831432"/>
+          </a:xfrm>
+          <a:prstGeom prst="rect">
+            <a:avLst/>
+          </a:prstGeom>
+          <a:noFill/>
+          <a:extLst>
+            <a:ext uri="{909E8E84-426E-40DD-AFC4-6F175D3DCCD1}">
+              <a14:hiddenFill xmlns:a14="http://schemas.microsoft.com/office/drawing/2010/main">
+                <a:solidFill>
+                  <a:srgbClr val="FFFFFF"/>
+                </a:solidFill>
+              </a14:hiddenFill>
+            </a:ext>
+          </a:extLst>
+        </p:spPr>
+      </p:pic>
+    </p:spTree>
+    <p:extLst>
+      <p:ext uri="{BB962C8B-B14F-4D97-AF65-F5344CB8AC3E}">
+        <p14:creationId xmlns:p14="http://schemas.microsoft.com/office/powerpoint/2010/main" val="1414632863"/>
+      </p:ext>
+    </p:extLst>
+  </p:cSld>
+  <p:clrMapOvr>
+    <a:masterClrMapping/>
+  </p:clrMapOvr>
+</p:sld>
+</file>
+
+<file path=ppt/slides/slide5.xml><?xml version="1.0" encoding="utf-8"?>
+<p:sld xmlns:a="http://schemas.openxmlformats.org/drawingml/2006/main" xmlns:r="http://schemas.openxmlformats.org/officeDocument/2006/relationships" xmlns:p="http://schemas.openxmlformats.org/presentationml/2006/main">
+  <p:cSld>
+    <p:spTree>
+      <p:nvGrpSpPr>
+        <p:cNvPr id="1" name=""/>
+        <p:cNvGrpSpPr/>
+        <p:nvPr/>
+      </p:nvGrpSpPr>
+      <p:grpSpPr>
+        <a:xfrm>
+          <a:off x="0" y="0"/>
+          <a:ext cx="0" cy="0"/>
+          <a:chOff x="0" y="0"/>
+          <a:chExt cx="0" cy="0"/>
+        </a:xfrm>
+      </p:grpSpPr>
+      <p:sp>
+        <p:nvSpPr>
           <p:cNvPr id="2" name="Text Placeholder 1">
             <a:extLst>
               <a:ext uri="{FF2B5EF4-FFF2-40B4-BE49-F238E27FC236}">
@@ -6782,7 +7679,7 @@
             <a:fld id="{18A41853-EF22-D446-BDBC-A7CF3FE93503}" type="slidenum">
               <a:rPr lang="en-US" smtClean="0"/>
               <a:pPr/>
-              <a:t>4</a:t>
+              <a:t>5</a:t>
             </a:fld>
             <a:endParaRPr lang="en-US" dirty="0"/>
           </a:p>
@@ -7107,7 +8004,7 @@
 </p:sld>
 </file>
 
-<file path=ppt/slides/slide5.xml><?xml version="1.0" encoding="utf-8"?>
+<file path=ppt/slides/slide6.xml><?xml version="1.0" encoding="utf-8"?>
 <p:sld xmlns:a="http://schemas.openxmlformats.org/drawingml/2006/main" xmlns:r="http://schemas.openxmlformats.org/officeDocument/2006/relationships" xmlns:p="http://schemas.openxmlformats.org/presentationml/2006/main">
   <p:cSld>
     <p:spTree>
@@ -7191,7 +8088,7 @@
             <a:fld id="{18A41853-EF22-D446-BDBC-A7CF3FE93503}" type="slidenum">
               <a:rPr lang="en-US" smtClean="0"/>
               <a:pPr/>
-              <a:t>5</a:t>
+              <a:t>6</a:t>
             </a:fld>
             <a:endParaRPr lang="en-US" dirty="0"/>
           </a:p>
@@ -7526,13 +8423,6 @@
               <a:t>Slow processing time per document</a:t>
             </a:r>
           </a:p>
-          <a:p>
-            <a:pPr lvl="1"/>
-            <a:r>
-              <a:rPr lang="en-CA" dirty="0"/>
-              <a:t>No GPU and limited OCR options</a:t>
-            </a:r>
-          </a:p>
         </p:txBody>
       </p:sp>
     </p:spTree>
@@ -7548,7 +8438,7 @@
 </p:sld>
 </file>
 
-<file path=ppt/slides/slide6.xml><?xml version="1.0" encoding="utf-8"?>
+<file path=ppt/slides/slide7.xml><?xml version="1.0" encoding="utf-8"?>
 <p:sld xmlns:a="http://schemas.openxmlformats.org/drawingml/2006/main" xmlns:r="http://schemas.openxmlformats.org/officeDocument/2006/relationships" xmlns:p="http://schemas.openxmlformats.org/presentationml/2006/main">
   <p:cSld>
     <p:spTree>
@@ -7634,7 +8524,7 @@
             <a:fld id="{18A41853-EF22-D446-BDBC-A7CF3FE93503}" type="slidenum">
               <a:rPr lang="en-US" smtClean="0"/>
               <a:pPr/>
-              <a:t>6</a:t>
+              <a:t>7</a:t>
             </a:fld>
             <a:endParaRPr lang="en-US" dirty="0"/>
           </a:p>
@@ -7823,7 +8713,7 @@
 </p:sld>
 </file>
 
-<file path=ppt/slides/slide7.xml><?xml version="1.0" encoding="utf-8"?>
+<file path=ppt/slides/slide8.xml><?xml version="1.0" encoding="utf-8"?>
 <p:sld xmlns:a="http://schemas.openxmlformats.org/drawingml/2006/main" xmlns:r="http://schemas.openxmlformats.org/officeDocument/2006/relationships" xmlns:p="http://schemas.openxmlformats.org/presentationml/2006/main">
   <p:cSld>
     <p:spTree>
